--- a/static/img/drive/Artificial Not-So Intelligent Pitch.pptx
+++ b/static/img/drive/Artificial Not-So Intelligent Pitch.pptx
@@ -6,53 +6,50 @@
     <p:sldMasterId id="2147483672" r:id="rId2"/>
   </p:sldMasterIdLst>
   <p:notesMasterIdLst>
-    <p:notesMasterId r:id="rId9"/>
+    <p:notesMasterId r:id="rId6"/>
   </p:notesMasterIdLst>
   <p:sldIdLst>
     <p:sldId id="256" r:id="rId3"/>
     <p:sldId id="258" r:id="rId4"/>
     <p:sldId id="261" r:id="rId5"/>
-    <p:sldId id="306" r:id="rId6"/>
-    <p:sldId id="301" r:id="rId7"/>
-    <p:sldId id="303" r:id="rId8"/>
   </p:sldIdLst>
   <p:sldSz cx="9144000" cy="5143500" type="screen16x9"/>
   <p:notesSz cx="6858000" cy="9144000"/>
   <p:embeddedFontLst>
     <p:embeddedFont>
       <p:font typeface="Calibri" panose="020F0502020204030204" pitchFamily="34" charset="0"/>
-      <p:regular r:id="rId10"/>
-      <p:bold r:id="rId11"/>
-      <p:italic r:id="rId12"/>
-      <p:boldItalic r:id="rId13"/>
+      <p:regular r:id="rId7"/>
+      <p:bold r:id="rId8"/>
+      <p:italic r:id="rId9"/>
+      <p:boldItalic r:id="rId10"/>
     </p:embeddedFont>
     <p:embeddedFont>
       <p:font typeface="Economica" panose="020B0604020202020204" charset="0"/>
-      <p:regular r:id="rId14"/>
-      <p:bold r:id="rId15"/>
-      <p:italic r:id="rId16"/>
-      <p:boldItalic r:id="rId17"/>
+      <p:regular r:id="rId11"/>
+      <p:bold r:id="rId12"/>
+      <p:italic r:id="rId13"/>
+      <p:boldItalic r:id="rId14"/>
     </p:embeddedFont>
     <p:embeddedFont>
       <p:font typeface="Montserrat" panose="020B0604020202020204" charset="0"/>
-      <p:regular r:id="rId18"/>
-      <p:bold r:id="rId19"/>
-      <p:italic r:id="rId20"/>
-      <p:boldItalic r:id="rId21"/>
+      <p:regular r:id="rId15"/>
+      <p:bold r:id="rId16"/>
+      <p:italic r:id="rId17"/>
+      <p:boldItalic r:id="rId18"/>
     </p:embeddedFont>
     <p:embeddedFont>
       <p:font typeface="Open Sans" panose="020B0606030504020204" pitchFamily="34" charset="0"/>
-      <p:regular r:id="rId22"/>
-      <p:bold r:id="rId23"/>
-      <p:italic r:id="rId24"/>
-      <p:boldItalic r:id="rId25"/>
+      <p:regular r:id="rId19"/>
+      <p:bold r:id="rId20"/>
+      <p:italic r:id="rId21"/>
+      <p:boldItalic r:id="rId22"/>
     </p:embeddedFont>
     <p:embeddedFont>
       <p:font typeface="Raleway" panose="020B0604020202020204" charset="0"/>
-      <p:regular r:id="rId26"/>
-      <p:bold r:id="rId27"/>
-      <p:italic r:id="rId28"/>
-      <p:boldItalic r:id="rId29"/>
+      <p:regular r:id="rId23"/>
+      <p:bold r:id="rId24"/>
+      <p:italic r:id="rId25"/>
+      <p:boldItalic r:id="rId26"/>
     </p:embeddedFont>
   </p:embeddedFontLst>
   <p:defaultTextStyle>
@@ -871,336 +868,6 @@
         </p:spPr>
       </p:sp>
     </p:spTree>
-  </p:cSld>
-  <p:clrMapOvr>
-    <a:masterClrMapping/>
-  </p:clrMapOvr>
-</p:notes>
-</file>
-
-<file path=ppt/notesSlides/notesSlide4.xml><?xml version="1.0" encoding="utf-8"?>
-<p:notes xmlns:a="http://schemas.openxmlformats.org/drawingml/2006/main" xmlns:r="http://schemas.openxmlformats.org/officeDocument/2006/relationships" xmlns:p="http://schemas.openxmlformats.org/presentationml/2006/main" showMasterSp="0" showMasterPhAnim="0">
-  <p:cSld>
-    <p:spTree>
-      <p:nvGrpSpPr>
-        <p:cNvPr id="1" name="Shape 180"/>
-        <p:cNvGrpSpPr/>
-        <p:nvPr/>
-      </p:nvGrpSpPr>
-      <p:grpSpPr>
-        <a:xfrm>
-          <a:off x="0" y="0"/>
-          <a:ext cx="0" cy="0"/>
-          <a:chOff x="0" y="0"/>
-          <a:chExt cx="0" cy="0"/>
-        </a:xfrm>
-      </p:grpSpPr>
-      <p:sp>
-        <p:nvSpPr>
-          <p:cNvPr id="181" name="Shape 181"/>
-          <p:cNvSpPr txBox="1">
-            <a:spLocks noGrp="1"/>
-          </p:cNvSpPr>
-          <p:nvPr>
-            <p:ph type="body" idx="1"/>
-          </p:nvPr>
-        </p:nvSpPr>
-        <p:spPr>
-          <a:xfrm>
-            <a:off x="685800" y="4400550"/>
-            <a:ext cx="5486400" cy="3600450"/>
-          </a:xfrm>
-          <a:prstGeom prst="rect">
-            <a:avLst/>
-          </a:prstGeom>
-          <a:noFill/>
-          <a:ln>
-            <a:noFill/>
-          </a:ln>
-        </p:spPr>
-        <p:txBody>
-          <a:bodyPr wrap="square" lIns="91425" tIns="91425" rIns="91425" bIns="91425" anchor="ctr" anchorCtr="0">
-            <a:noAutofit/>
-          </a:bodyPr>
-          <a:lstStyle/>
-          <a:p>
-            <a:pPr lvl="0">
-              <a:spcBef>
-                <a:spcPts val="0"/>
-              </a:spcBef>
-              <a:buNone/>
-            </a:pPr>
-            <a:endParaRPr/>
-          </a:p>
-        </p:txBody>
-      </p:sp>
-      <p:sp>
-        <p:nvSpPr>
-          <p:cNvPr id="182" name="Shape 182"/>
-          <p:cNvSpPr>
-            <a:spLocks noGrp="1" noRot="1" noChangeAspect="1"/>
-          </p:cNvSpPr>
-          <p:nvPr>
-            <p:ph type="sldImg" idx="2"/>
-          </p:nvPr>
-        </p:nvSpPr>
-        <p:spPr>
-          <a:xfrm>
-            <a:off x="685800" y="1143000"/>
-            <a:ext cx="5486400" cy="3086100"/>
-          </a:xfrm>
-          <a:custGeom>
-            <a:avLst/>
-            <a:gdLst/>
-            <a:ahLst/>
-            <a:cxnLst/>
-            <a:rect l="0" t="0" r="0" b="0"/>
-            <a:pathLst>
-              <a:path w="120000" h="120000" extrusionOk="0">
-                <a:moveTo>
-                  <a:pt x="0" y="0"/>
-                </a:moveTo>
-                <a:lnTo>
-                  <a:pt x="120000" y="0"/>
-                </a:lnTo>
-                <a:lnTo>
-                  <a:pt x="120000" y="120000"/>
-                </a:lnTo>
-                <a:lnTo>
-                  <a:pt x="0" y="120000"/>
-                </a:lnTo>
-                <a:close/>
-              </a:path>
-            </a:pathLst>
-          </a:custGeom>
-        </p:spPr>
-      </p:sp>
-    </p:spTree>
-    <p:extLst>
-      <p:ext uri="{BB962C8B-B14F-4D97-AF65-F5344CB8AC3E}">
-        <p14:creationId xmlns:p14="http://schemas.microsoft.com/office/powerpoint/2010/main" val="3914978822"/>
-      </p:ext>
-    </p:extLst>
-  </p:cSld>
-  <p:clrMapOvr>
-    <a:masterClrMapping/>
-  </p:clrMapOvr>
-</p:notes>
-</file>
-
-<file path=ppt/notesSlides/notesSlide5.xml><?xml version="1.0" encoding="utf-8"?>
-<p:notes xmlns:a="http://schemas.openxmlformats.org/drawingml/2006/main" xmlns:r="http://schemas.openxmlformats.org/officeDocument/2006/relationships" xmlns:p="http://schemas.openxmlformats.org/presentationml/2006/main" showMasterSp="0" showMasterPhAnim="0">
-  <p:cSld>
-    <p:spTree>
-      <p:nvGrpSpPr>
-        <p:cNvPr id="1" name="Shape 180"/>
-        <p:cNvGrpSpPr/>
-        <p:nvPr/>
-      </p:nvGrpSpPr>
-      <p:grpSpPr>
-        <a:xfrm>
-          <a:off x="0" y="0"/>
-          <a:ext cx="0" cy="0"/>
-          <a:chOff x="0" y="0"/>
-          <a:chExt cx="0" cy="0"/>
-        </a:xfrm>
-      </p:grpSpPr>
-      <p:sp>
-        <p:nvSpPr>
-          <p:cNvPr id="181" name="Shape 181"/>
-          <p:cNvSpPr txBox="1">
-            <a:spLocks noGrp="1"/>
-          </p:cNvSpPr>
-          <p:nvPr>
-            <p:ph type="body" idx="1"/>
-          </p:nvPr>
-        </p:nvSpPr>
-        <p:spPr>
-          <a:xfrm>
-            <a:off x="685800" y="4400550"/>
-            <a:ext cx="5486400" cy="3600450"/>
-          </a:xfrm>
-          <a:prstGeom prst="rect">
-            <a:avLst/>
-          </a:prstGeom>
-          <a:noFill/>
-          <a:ln>
-            <a:noFill/>
-          </a:ln>
-        </p:spPr>
-        <p:txBody>
-          <a:bodyPr wrap="square" lIns="91425" tIns="91425" rIns="91425" bIns="91425" anchor="ctr" anchorCtr="0">
-            <a:noAutofit/>
-          </a:bodyPr>
-          <a:lstStyle/>
-          <a:p>
-            <a:pPr lvl="0">
-              <a:spcBef>
-                <a:spcPts val="0"/>
-              </a:spcBef>
-              <a:buNone/>
-            </a:pPr>
-            <a:endParaRPr/>
-          </a:p>
-        </p:txBody>
-      </p:sp>
-      <p:sp>
-        <p:nvSpPr>
-          <p:cNvPr id="182" name="Shape 182"/>
-          <p:cNvSpPr>
-            <a:spLocks noGrp="1" noRot="1" noChangeAspect="1"/>
-          </p:cNvSpPr>
-          <p:nvPr>
-            <p:ph type="sldImg" idx="2"/>
-          </p:nvPr>
-        </p:nvSpPr>
-        <p:spPr>
-          <a:xfrm>
-            <a:off x="685800" y="1143000"/>
-            <a:ext cx="5486400" cy="3086100"/>
-          </a:xfrm>
-          <a:custGeom>
-            <a:avLst/>
-            <a:gdLst/>
-            <a:ahLst/>
-            <a:cxnLst/>
-            <a:rect l="0" t="0" r="0" b="0"/>
-            <a:pathLst>
-              <a:path w="120000" h="120000" extrusionOk="0">
-                <a:moveTo>
-                  <a:pt x="0" y="0"/>
-                </a:moveTo>
-                <a:lnTo>
-                  <a:pt x="120000" y="0"/>
-                </a:lnTo>
-                <a:lnTo>
-                  <a:pt x="120000" y="120000"/>
-                </a:lnTo>
-                <a:lnTo>
-                  <a:pt x="0" y="120000"/>
-                </a:lnTo>
-                <a:close/>
-              </a:path>
-            </a:pathLst>
-          </a:custGeom>
-        </p:spPr>
-      </p:sp>
-    </p:spTree>
-    <p:extLst>
-      <p:ext uri="{BB962C8B-B14F-4D97-AF65-F5344CB8AC3E}">
-        <p14:creationId xmlns:p14="http://schemas.microsoft.com/office/powerpoint/2010/main" val="3165181362"/>
-      </p:ext>
-    </p:extLst>
-  </p:cSld>
-  <p:clrMapOvr>
-    <a:masterClrMapping/>
-  </p:clrMapOvr>
-</p:notes>
-</file>
-
-<file path=ppt/notesSlides/notesSlide6.xml><?xml version="1.0" encoding="utf-8"?>
-<p:notes xmlns:a="http://schemas.openxmlformats.org/drawingml/2006/main" xmlns:r="http://schemas.openxmlformats.org/officeDocument/2006/relationships" xmlns:p="http://schemas.openxmlformats.org/presentationml/2006/main" showMasterSp="0" showMasterPhAnim="0">
-  <p:cSld>
-    <p:spTree>
-      <p:nvGrpSpPr>
-        <p:cNvPr id="1" name="Shape 180"/>
-        <p:cNvGrpSpPr/>
-        <p:nvPr/>
-      </p:nvGrpSpPr>
-      <p:grpSpPr>
-        <a:xfrm>
-          <a:off x="0" y="0"/>
-          <a:ext cx="0" cy="0"/>
-          <a:chOff x="0" y="0"/>
-          <a:chExt cx="0" cy="0"/>
-        </a:xfrm>
-      </p:grpSpPr>
-      <p:sp>
-        <p:nvSpPr>
-          <p:cNvPr id="181" name="Shape 181"/>
-          <p:cNvSpPr txBox="1">
-            <a:spLocks noGrp="1"/>
-          </p:cNvSpPr>
-          <p:nvPr>
-            <p:ph type="body" idx="1"/>
-          </p:nvPr>
-        </p:nvSpPr>
-        <p:spPr>
-          <a:xfrm>
-            <a:off x="685800" y="4400550"/>
-            <a:ext cx="5486400" cy="3600450"/>
-          </a:xfrm>
-          <a:prstGeom prst="rect">
-            <a:avLst/>
-          </a:prstGeom>
-          <a:noFill/>
-          <a:ln>
-            <a:noFill/>
-          </a:ln>
-        </p:spPr>
-        <p:txBody>
-          <a:bodyPr wrap="square" lIns="91425" tIns="91425" rIns="91425" bIns="91425" anchor="ctr" anchorCtr="0">
-            <a:noAutofit/>
-          </a:bodyPr>
-          <a:lstStyle/>
-          <a:p>
-            <a:pPr lvl="0">
-              <a:spcBef>
-                <a:spcPts val="0"/>
-              </a:spcBef>
-              <a:buNone/>
-            </a:pPr>
-            <a:endParaRPr/>
-          </a:p>
-        </p:txBody>
-      </p:sp>
-      <p:sp>
-        <p:nvSpPr>
-          <p:cNvPr id="182" name="Shape 182"/>
-          <p:cNvSpPr>
-            <a:spLocks noGrp="1" noRot="1" noChangeAspect="1"/>
-          </p:cNvSpPr>
-          <p:nvPr>
-            <p:ph type="sldImg" idx="2"/>
-          </p:nvPr>
-        </p:nvSpPr>
-        <p:spPr>
-          <a:xfrm>
-            <a:off x="685800" y="1143000"/>
-            <a:ext cx="5486400" cy="3086100"/>
-          </a:xfrm>
-          <a:custGeom>
-            <a:avLst/>
-            <a:gdLst/>
-            <a:ahLst/>
-            <a:cxnLst/>
-            <a:rect l="0" t="0" r="0" b="0"/>
-            <a:pathLst>
-              <a:path w="120000" h="120000" extrusionOk="0">
-                <a:moveTo>
-                  <a:pt x="0" y="0"/>
-                </a:moveTo>
-                <a:lnTo>
-                  <a:pt x="120000" y="0"/>
-                </a:lnTo>
-                <a:lnTo>
-                  <a:pt x="120000" y="120000"/>
-                </a:lnTo>
-                <a:lnTo>
-                  <a:pt x="0" y="120000"/>
-                </a:lnTo>
-                <a:close/>
-              </a:path>
-            </a:pathLst>
-          </a:custGeom>
-        </p:spPr>
-      </p:sp>
-    </p:spTree>
-    <p:extLst>
-      <p:ext uri="{BB962C8B-B14F-4D97-AF65-F5344CB8AC3E}">
-        <p14:creationId xmlns:p14="http://schemas.microsoft.com/office/powerpoint/2010/main" val="1393104744"/>
-      </p:ext>
-    </p:extLst>
   </p:cSld>
   <p:clrMapOvr>
     <a:masterClrMapping/>
@@ -14486,7 +14153,7 @@
                 <a:cs typeface="Montserrat"/>
                 <a:sym typeface="Montserrat"/>
               </a:rPr>
-              <a:t>HACKATHON</a:t>
+              <a:t>GOALS OF THIS PRESENTATION</a:t>
             </a:r>
           </a:p>
         </p:txBody>
@@ -14533,7 +14200,7 @@
                 <a:cs typeface="Montserrat"/>
                 <a:sym typeface="Montserrat"/>
               </a:rPr>
-              <a:t>WHAT ARE THE GOALS OF THE PROJECT</a:t>
+              <a:t>WHAT ARE THE GOALS OF THE PRESENTATION?</a:t>
             </a:r>
           </a:p>
         </p:txBody>
@@ -14577,28 +14244,28 @@
               <a:buAutoNum type="arabicPeriod"/>
             </a:pPr>
             <a:r>
-              <a:rPr lang="en-GB" sz="1800" dirty="0">
-                <a:solidFill>
-                  <a:srgbClr val="01D589"/>
+              <a:rPr lang="en-GB" sz="2400" dirty="0">
+                <a:solidFill>
+                  <a:schemeClr val="tx1"/>
                 </a:solidFill>
                 <a:latin typeface="Montserrat"/>
                 <a:ea typeface="Montserrat"/>
                 <a:cs typeface="Montserrat"/>
                 <a:sym typeface="Montserrat"/>
               </a:rPr>
-              <a:t>Create a WebCrawler </a:t>
+              <a:t>To have a deeper understanding of </a:t>
             </a:r>
             <a:r>
-              <a:rPr lang="en-GB" sz="1800" dirty="0">
-                <a:solidFill>
-                  <a:schemeClr val="dk1"/>
+              <a:rPr lang="en-GB" sz="2400" b="1" dirty="0">
+                <a:solidFill>
+                  <a:srgbClr val="01D589"/>
                 </a:solidFill>
                 <a:latin typeface="Montserrat"/>
                 <a:ea typeface="Montserrat"/>
                 <a:cs typeface="Montserrat"/>
                 <a:sym typeface="Montserrat"/>
               </a:rPr>
-              <a:t>to crawl data from Social Media. (Twitter, Facebook, etc.)</a:t>
+              <a:t>User Experience (UX)</a:t>
             </a:r>
           </a:p>
           <a:p>
@@ -14616,26 +14283,16 @@
               <a:buAutoNum type="arabicPeriod"/>
             </a:pPr>
             <a:r>
-              <a:rPr lang="en-GB" sz="1800" dirty="0">
-                <a:solidFill>
-                  <a:srgbClr val="01D589"/>
-                </a:solidFill>
-                <a:latin typeface="Montserrat"/>
-                <a:sym typeface="Montserrat"/>
-              </a:rPr>
-              <a:t>Cleanse the data </a:t>
-            </a:r>
-            <a:r>
-              <a:rPr lang="en-GB" sz="1800" dirty="0">
-                <a:solidFill>
-                  <a:schemeClr val="dk1"/>
+              <a:rPr lang="en-GB" sz="2400" dirty="0">
+                <a:solidFill>
+                  <a:schemeClr val="tx1"/>
                 </a:solidFill>
                 <a:latin typeface="Montserrat"/>
                 <a:ea typeface="Montserrat"/>
                 <a:cs typeface="Montserrat"/>
                 <a:sym typeface="Montserrat"/>
               </a:rPr>
-              <a:t>of any bias and improve quality</a:t>
+              <a:t>To showcase the journey that Ox-Automated-Testing has gone through</a:t>
             </a:r>
           </a:p>
           <a:p>
@@ -14653,77 +14310,16 @@
               <a:buAutoNum type="arabicPeriod"/>
             </a:pPr>
             <a:r>
-              <a:rPr lang="en-GB" sz="1800" dirty="0">
-                <a:solidFill>
-                  <a:schemeClr val="dk1"/>
+              <a:rPr lang="en-GB" sz="2400" dirty="0">
+                <a:solidFill>
+                  <a:schemeClr val="tx1"/>
                 </a:solidFill>
                 <a:latin typeface="Montserrat"/>
                 <a:ea typeface="Montserrat"/>
                 <a:cs typeface="Montserrat"/>
                 <a:sym typeface="Montserrat"/>
               </a:rPr>
-              <a:t>Prepare data for </a:t>
-            </a:r>
-            <a:r>
-              <a:rPr lang="en-GB" sz="1800" dirty="0">
-                <a:solidFill>
-                  <a:srgbClr val="01D589"/>
-                </a:solidFill>
-                <a:latin typeface="Montserrat"/>
-                <a:sym typeface="Montserrat"/>
-              </a:rPr>
-              <a:t>sentiment analysis to serve various use cases in market sentiment</a:t>
-            </a:r>
-            <a:r>
-              <a:rPr lang="en-GB" sz="1800" dirty="0">
-                <a:solidFill>
-                  <a:schemeClr val="dk1"/>
-                </a:solidFill>
-                <a:latin typeface="Montserrat"/>
-                <a:ea typeface="Montserrat"/>
-                <a:cs typeface="Montserrat"/>
-                <a:sym typeface="Montserrat"/>
-              </a:rPr>
-              <a:t> for products and/or predicting sales figures</a:t>
-            </a:r>
-          </a:p>
-          <a:p>
-            <a:pPr marL="342900" marR="0" lvl="0" indent="-342900" algn="l" rtl="0">
-              <a:lnSpc>
-                <a:spcPct val="150000"/>
-              </a:lnSpc>
-              <a:spcBef>
-                <a:spcPts val="0"/>
-              </a:spcBef>
-              <a:buClr>
-                <a:schemeClr val="dk1"/>
-              </a:buClr>
-              <a:buSzPct val="100000"/>
-              <a:buAutoNum type="arabicPeriod"/>
-            </a:pPr>
-            <a:r>
-              <a:rPr lang="en-GB" sz="1800" dirty="0">
-                <a:solidFill>
-                  <a:schemeClr val="dk1"/>
-                </a:solidFill>
-                <a:latin typeface="Montserrat"/>
-                <a:ea typeface="Montserrat"/>
-                <a:cs typeface="Montserrat"/>
-                <a:sym typeface="Montserrat"/>
-              </a:rPr>
-              <a:t>Leveraging sentiment score to </a:t>
-            </a:r>
-            <a:r>
-              <a:rPr lang="en-GB" sz="1800" dirty="0">
-                <a:solidFill>
-                  <a:srgbClr val="01D589"/>
-                </a:solidFill>
-                <a:latin typeface="Montserrat"/>
-                <a:ea typeface="Montserrat"/>
-                <a:cs typeface="Montserrat"/>
-                <a:sym typeface="Montserrat"/>
-              </a:rPr>
-              <a:t>forecast major market movements</a:t>
+              <a:t>Understanding the different principles of UX</a:t>
             </a:r>
           </a:p>
         </p:txBody>
@@ -15058,1014 +14654,6 @@
         </p:txBody>
       </p:sp>
     </p:spTree>
-  </p:cSld>
-  <p:clrMapOvr>
-    <a:masterClrMapping/>
-  </p:clrMapOvr>
-  <mc:AlternateContent xmlns:mc="http://schemas.openxmlformats.org/markup-compatibility/2006" xmlns:p14="http://schemas.microsoft.com/office/powerpoint/2010/main">
-    <mc:Choice Requires="p14">
-      <p:transition spd="med" p14:dur="700">
-        <p:fade/>
-      </p:transition>
-    </mc:Choice>
-    <mc:Fallback xmlns="">
-      <p:transition spd="med">
-        <p:fade/>
-      </p:transition>
-    </mc:Fallback>
-  </mc:AlternateContent>
-</p:sld>
-</file>
-
-<file path=ppt/slides/slide4.xml><?xml version="1.0" encoding="utf-8"?>
-<p:sld xmlns:a="http://schemas.openxmlformats.org/drawingml/2006/main" xmlns:r="http://schemas.openxmlformats.org/officeDocument/2006/relationships" xmlns:p="http://schemas.openxmlformats.org/presentationml/2006/main">
-  <p:cSld>
-    <p:spTree>
-      <p:nvGrpSpPr>
-        <p:cNvPr id="1" name="Shape 183"/>
-        <p:cNvGrpSpPr/>
-        <p:nvPr/>
-      </p:nvGrpSpPr>
-      <p:grpSpPr>
-        <a:xfrm>
-          <a:off x="0" y="0"/>
-          <a:ext cx="0" cy="0"/>
-          <a:chOff x="0" y="0"/>
-          <a:chExt cx="0" cy="0"/>
-        </a:xfrm>
-      </p:grpSpPr>
-      <p:sp>
-        <p:nvSpPr>
-          <p:cNvPr id="184" name="Shape 184"/>
-          <p:cNvSpPr txBox="1"/>
-          <p:nvPr/>
-        </p:nvSpPr>
-        <p:spPr>
-          <a:xfrm>
-            <a:off x="817836" y="419470"/>
-            <a:ext cx="8326164" cy="438581"/>
-          </a:xfrm>
-          <a:prstGeom prst="rect">
-            <a:avLst/>
-          </a:prstGeom>
-          <a:noFill/>
-          <a:ln>
-            <a:noFill/>
-          </a:ln>
-        </p:spPr>
-        <p:txBody>
-          <a:bodyPr wrap="square" lIns="68575" tIns="34275" rIns="68575" bIns="34275" anchor="t" anchorCtr="0">
-            <a:noAutofit/>
-          </a:bodyPr>
-          <a:lstStyle/>
-          <a:p>
-            <a:pPr marL="0" marR="0" lvl="0" indent="0" algn="l" rtl="0">
-              <a:spcBef>
-                <a:spcPts val="0"/>
-              </a:spcBef>
-              <a:buSzPct val="25000"/>
-              <a:buNone/>
-            </a:pPr>
-            <a:r>
-              <a:rPr lang="en-GB" sz="2400" b="1" spc="300" dirty="0">
-                <a:solidFill>
-                  <a:schemeClr val="dk1"/>
-                </a:solidFill>
-                <a:latin typeface="Montserrat"/>
-                <a:ea typeface="Montserrat"/>
-                <a:cs typeface="Montserrat"/>
-                <a:sym typeface="Montserrat"/>
-              </a:rPr>
-              <a:t>THE APPROACH</a:t>
-            </a:r>
-          </a:p>
-        </p:txBody>
-      </p:sp>
-      <p:sp>
-        <p:nvSpPr>
-          <p:cNvPr id="185" name="Shape 185"/>
-          <p:cNvSpPr txBox="1"/>
-          <p:nvPr/>
-        </p:nvSpPr>
-        <p:spPr>
-          <a:xfrm>
-            <a:off x="817836" y="823426"/>
-            <a:ext cx="8270985" cy="253916"/>
-          </a:xfrm>
-          <a:prstGeom prst="rect">
-            <a:avLst/>
-          </a:prstGeom>
-          <a:noFill/>
-          <a:ln>
-            <a:noFill/>
-          </a:ln>
-        </p:spPr>
-        <p:txBody>
-          <a:bodyPr wrap="square" lIns="68575" tIns="34275" rIns="68575" bIns="34275" anchor="t" anchorCtr="0">
-            <a:noAutofit/>
-          </a:bodyPr>
-          <a:lstStyle/>
-          <a:p>
-            <a:pPr lvl="0">
-              <a:buSzPct val="25000"/>
-            </a:pPr>
-            <a:r>
-              <a:rPr lang="en-GB" sz="1200" b="1" spc="300" dirty="0">
-                <a:solidFill>
-                  <a:srgbClr val="01D589"/>
-                </a:solidFill>
-                <a:latin typeface="Montserrat"/>
-                <a:ea typeface="Montserrat"/>
-                <a:cs typeface="Montserrat"/>
-                <a:sym typeface="Montserrat"/>
-              </a:rPr>
-              <a:t>WHAT WE ARE PLANNING TO </a:t>
-            </a:r>
-            <a:r>
-              <a:rPr lang="en-GB" sz="1200" b="1" spc="300" dirty="0">
-                <a:solidFill>
-                  <a:srgbClr val="01D589"/>
-                </a:solidFill>
-                <a:latin typeface="Montserrat"/>
-                <a:sym typeface="Montserrat"/>
-              </a:rPr>
-              <a:t>DO ( FORECAST MARKETS MOVEMENTS )</a:t>
-            </a:r>
-          </a:p>
-        </p:txBody>
-      </p:sp>
-      <p:sp>
-        <p:nvSpPr>
-          <p:cNvPr id="186" name="Shape 186"/>
-          <p:cNvSpPr txBox="1"/>
-          <p:nvPr/>
-        </p:nvSpPr>
-        <p:spPr>
-          <a:xfrm>
-            <a:off x="817838" y="1220976"/>
-            <a:ext cx="7963555" cy="3462486"/>
-          </a:xfrm>
-          <a:prstGeom prst="rect">
-            <a:avLst/>
-          </a:prstGeom>
-          <a:noFill/>
-          <a:ln>
-            <a:noFill/>
-          </a:ln>
-        </p:spPr>
-        <p:txBody>
-          <a:bodyPr wrap="square" lIns="68575" tIns="34275" rIns="68575" bIns="34275" anchor="t" anchorCtr="0">
-            <a:noAutofit/>
-          </a:bodyPr>
-          <a:lstStyle/>
-          <a:p>
-            <a:pPr marL="457200" lvl="0" indent="-342900">
-              <a:lnSpc>
-                <a:spcPct val="115000"/>
-              </a:lnSpc>
-              <a:spcAft>
-                <a:spcPts val="1000"/>
-              </a:spcAft>
-              <a:buSzPct val="100000"/>
-              <a:buAutoNum type="arabicPeriod"/>
-            </a:pPr>
-            <a:r>
-              <a:rPr lang="en-GB" sz="1800" dirty="0">
-                <a:solidFill>
-                  <a:schemeClr val="dk1"/>
-                </a:solidFill>
-                <a:latin typeface="Montserrat"/>
-                <a:ea typeface="Montserrat"/>
-                <a:cs typeface="Montserrat"/>
-                <a:sym typeface="Montserrat"/>
-              </a:rPr>
-              <a:t>Create a sentiment analysis python scripts to run to get the sentiment of a twitter tweet. </a:t>
-            </a:r>
-          </a:p>
-          <a:p>
-            <a:pPr marL="457200" lvl="0" indent="-342900">
-              <a:lnSpc>
-                <a:spcPct val="115000"/>
-              </a:lnSpc>
-              <a:spcAft>
-                <a:spcPts val="1000"/>
-              </a:spcAft>
-              <a:buSzPct val="100000"/>
-              <a:buAutoNum type="arabicPeriod"/>
-            </a:pPr>
-            <a:r>
-              <a:rPr lang="en-GB" sz="1800" dirty="0">
-                <a:solidFill>
-                  <a:schemeClr val="dk1"/>
-                </a:solidFill>
-                <a:latin typeface="Montserrat"/>
-                <a:ea typeface="Montserrat"/>
-                <a:cs typeface="Montserrat"/>
-                <a:sym typeface="Montserrat"/>
-              </a:rPr>
-              <a:t>Define a strategy of when to buy a financial product, which financial product to buy, how much to buy, etc.</a:t>
-            </a:r>
-          </a:p>
-          <a:p>
-            <a:pPr marL="457200" lvl="0" indent="-342900">
-              <a:lnSpc>
-                <a:spcPct val="115000"/>
-              </a:lnSpc>
-              <a:spcAft>
-                <a:spcPts val="1000"/>
-              </a:spcAft>
-              <a:buSzPct val="100000"/>
-              <a:buAutoNum type="arabicPeriod"/>
-            </a:pPr>
-            <a:endParaRPr lang="en-GB" sz="1800" dirty="0">
-              <a:solidFill>
-                <a:schemeClr val="dk1"/>
-              </a:solidFill>
-              <a:latin typeface="Montserrat"/>
-              <a:ea typeface="Montserrat"/>
-              <a:cs typeface="Montserrat"/>
-              <a:sym typeface="Montserrat"/>
-            </a:endParaRPr>
-          </a:p>
-          <a:p>
-            <a:pPr marL="114300" lvl="0">
-              <a:lnSpc>
-                <a:spcPct val="115000"/>
-              </a:lnSpc>
-              <a:spcAft>
-                <a:spcPts val="1000"/>
-              </a:spcAft>
-              <a:buSzPct val="100000"/>
-            </a:pPr>
-            <a:endParaRPr lang="en-GB" sz="1800" dirty="0">
-              <a:solidFill>
-                <a:schemeClr val="dk1"/>
-              </a:solidFill>
-              <a:latin typeface="Montserrat"/>
-              <a:ea typeface="Montserrat"/>
-              <a:cs typeface="Montserrat"/>
-              <a:sym typeface="Montserrat"/>
-            </a:endParaRPr>
-          </a:p>
-          <a:p>
-            <a:pPr marL="114300" lvl="0">
-              <a:lnSpc>
-                <a:spcPct val="115000"/>
-              </a:lnSpc>
-              <a:spcAft>
-                <a:spcPts val="1000"/>
-              </a:spcAft>
-              <a:buSzPct val="100000"/>
-            </a:pPr>
-            <a:endParaRPr lang="en-GB" sz="1800" dirty="0">
-              <a:solidFill>
-                <a:schemeClr val="dk1"/>
-              </a:solidFill>
-              <a:latin typeface="Montserrat"/>
-              <a:ea typeface="Montserrat"/>
-              <a:cs typeface="Montserrat"/>
-              <a:sym typeface="Montserrat"/>
-            </a:endParaRPr>
-          </a:p>
-          <a:p>
-            <a:pPr marL="114300" lvl="0">
-              <a:lnSpc>
-                <a:spcPct val="115000"/>
-              </a:lnSpc>
-              <a:spcAft>
-                <a:spcPts val="1000"/>
-              </a:spcAft>
-              <a:buSzPct val="100000"/>
-            </a:pPr>
-            <a:r>
-              <a:rPr lang="en-GB" sz="1800" dirty="0">
-                <a:solidFill>
-                  <a:schemeClr val="dk1"/>
-                </a:solidFill>
-                <a:latin typeface="Montserrat"/>
-                <a:ea typeface="Montserrat"/>
-                <a:cs typeface="Montserrat"/>
-                <a:sym typeface="Montserrat"/>
-              </a:rPr>
-              <a:t>* Worked on sentiment analysis and used a library to do sentiment analysis. </a:t>
-            </a:r>
-          </a:p>
-        </p:txBody>
-      </p:sp>
-    </p:spTree>
-    <p:extLst>
-      <p:ext uri="{BB962C8B-B14F-4D97-AF65-F5344CB8AC3E}">
-        <p14:creationId xmlns:p14="http://schemas.microsoft.com/office/powerpoint/2010/main" val="1533909499"/>
-      </p:ext>
-    </p:extLst>
-  </p:cSld>
-  <p:clrMapOvr>
-    <a:masterClrMapping/>
-  </p:clrMapOvr>
-  <mc:AlternateContent xmlns:mc="http://schemas.openxmlformats.org/markup-compatibility/2006" xmlns:p14="http://schemas.microsoft.com/office/powerpoint/2010/main">
-    <mc:Choice Requires="p14">
-      <p:transition spd="med" p14:dur="700">
-        <p:fade/>
-      </p:transition>
-    </mc:Choice>
-    <mc:Fallback xmlns="">
-      <p:transition spd="med">
-        <p:fade/>
-      </p:transition>
-    </mc:Fallback>
-  </mc:AlternateContent>
-</p:sld>
-</file>
-
-<file path=ppt/slides/slide5.xml><?xml version="1.0" encoding="utf-8"?>
-<p:sld xmlns:a="http://schemas.openxmlformats.org/drawingml/2006/main" xmlns:r="http://schemas.openxmlformats.org/officeDocument/2006/relationships" xmlns:p="http://schemas.openxmlformats.org/presentationml/2006/main">
-  <p:cSld>
-    <p:spTree>
-      <p:nvGrpSpPr>
-        <p:cNvPr id="1" name="Shape 183"/>
-        <p:cNvGrpSpPr/>
-        <p:nvPr/>
-      </p:nvGrpSpPr>
-      <p:grpSpPr>
-        <a:xfrm>
-          <a:off x="0" y="0"/>
-          <a:ext cx="0" cy="0"/>
-          <a:chOff x="0" y="0"/>
-          <a:chExt cx="0" cy="0"/>
-        </a:xfrm>
-      </p:grpSpPr>
-      <p:sp>
-        <p:nvSpPr>
-          <p:cNvPr id="184" name="Shape 184"/>
-          <p:cNvSpPr txBox="1"/>
-          <p:nvPr/>
-        </p:nvSpPr>
-        <p:spPr>
-          <a:xfrm>
-            <a:off x="817836" y="419470"/>
-            <a:ext cx="8326164" cy="438581"/>
-          </a:xfrm>
-          <a:prstGeom prst="rect">
-            <a:avLst/>
-          </a:prstGeom>
-          <a:noFill/>
-          <a:ln>
-            <a:noFill/>
-          </a:ln>
-        </p:spPr>
-        <p:txBody>
-          <a:bodyPr wrap="square" lIns="68575" tIns="34275" rIns="68575" bIns="34275" anchor="t" anchorCtr="0">
-            <a:noAutofit/>
-          </a:bodyPr>
-          <a:lstStyle/>
-          <a:p>
-            <a:pPr marL="0" marR="0" lvl="0" indent="0" algn="l" rtl="0">
-              <a:spcBef>
-                <a:spcPts val="0"/>
-              </a:spcBef>
-              <a:buSzPct val="25000"/>
-              <a:buNone/>
-            </a:pPr>
-            <a:r>
-              <a:rPr lang="en-GB" sz="2400" b="1" spc="300" dirty="0">
-                <a:solidFill>
-                  <a:schemeClr val="dk1"/>
-                </a:solidFill>
-                <a:latin typeface="Montserrat"/>
-                <a:ea typeface="Montserrat"/>
-                <a:cs typeface="Montserrat"/>
-                <a:sym typeface="Montserrat"/>
-              </a:rPr>
-              <a:t>NEXT STEPS</a:t>
-            </a:r>
-          </a:p>
-        </p:txBody>
-      </p:sp>
-      <p:sp>
-        <p:nvSpPr>
-          <p:cNvPr id="185" name="Shape 185"/>
-          <p:cNvSpPr txBox="1"/>
-          <p:nvPr/>
-        </p:nvSpPr>
-        <p:spPr>
-          <a:xfrm>
-            <a:off x="817836" y="823426"/>
-            <a:ext cx="8270985" cy="253916"/>
-          </a:xfrm>
-          <a:prstGeom prst="rect">
-            <a:avLst/>
-          </a:prstGeom>
-          <a:noFill/>
-          <a:ln>
-            <a:noFill/>
-          </a:ln>
-        </p:spPr>
-        <p:txBody>
-          <a:bodyPr wrap="square" lIns="68575" tIns="34275" rIns="68575" bIns="34275" anchor="t" anchorCtr="0">
-            <a:noAutofit/>
-          </a:bodyPr>
-          <a:lstStyle/>
-          <a:p>
-            <a:pPr marL="0" marR="0" lvl="0" indent="0" algn="l" rtl="0">
-              <a:spcBef>
-                <a:spcPts val="0"/>
-              </a:spcBef>
-              <a:buSzPct val="25000"/>
-              <a:buNone/>
-            </a:pPr>
-            <a:r>
-              <a:rPr lang="en-GB" sz="1200" b="1" spc="300" dirty="0">
-                <a:solidFill>
-                  <a:srgbClr val="01D589"/>
-                </a:solidFill>
-                <a:latin typeface="Montserrat"/>
-                <a:ea typeface="Montserrat"/>
-                <a:cs typeface="Montserrat"/>
-                <a:sym typeface="Montserrat"/>
-              </a:rPr>
-              <a:t>WHAT ARE THE NEXT STEPS FOR THE HACKATHON</a:t>
-            </a:r>
-          </a:p>
-        </p:txBody>
-      </p:sp>
-      <p:sp>
-        <p:nvSpPr>
-          <p:cNvPr id="186" name="Shape 186"/>
-          <p:cNvSpPr txBox="1"/>
-          <p:nvPr/>
-        </p:nvSpPr>
-        <p:spPr>
-          <a:xfrm>
-            <a:off x="817838" y="1220976"/>
-            <a:ext cx="7963555" cy="3462486"/>
-          </a:xfrm>
-          <a:prstGeom prst="rect">
-            <a:avLst/>
-          </a:prstGeom>
-          <a:noFill/>
-          <a:ln>
-            <a:noFill/>
-          </a:ln>
-        </p:spPr>
-        <p:txBody>
-          <a:bodyPr wrap="square" lIns="68575" tIns="34275" rIns="68575" bIns="34275" anchor="t" anchorCtr="0">
-            <a:noAutofit/>
-          </a:bodyPr>
-          <a:lstStyle/>
-          <a:p>
-            <a:pPr marL="457200" marR="0" lvl="0" indent="-342900" algn="l" rtl="0">
-              <a:lnSpc>
-                <a:spcPct val="115000"/>
-              </a:lnSpc>
-              <a:spcBef>
-                <a:spcPts val="0"/>
-              </a:spcBef>
-              <a:spcAft>
-                <a:spcPts val="1000"/>
-              </a:spcAft>
-              <a:buSzPct val="100000"/>
-              <a:buFont typeface="Montserrat"/>
-              <a:buAutoNum type="arabicPeriod"/>
-            </a:pPr>
-            <a:r>
-              <a:rPr lang="en-GB" sz="1800" dirty="0">
-                <a:solidFill>
-                  <a:schemeClr val="dk1"/>
-                </a:solidFill>
-                <a:latin typeface="Montserrat"/>
-                <a:ea typeface="Montserrat"/>
-                <a:cs typeface="Montserrat"/>
-                <a:sym typeface="Montserrat"/>
-              </a:rPr>
-              <a:t>What kind of data do we want to analyse. (Market trends, etc.)</a:t>
-            </a:r>
-          </a:p>
-          <a:p>
-            <a:pPr marL="457200" marR="0" lvl="0" indent="-342900" algn="l" rtl="0">
-              <a:lnSpc>
-                <a:spcPct val="115000"/>
-              </a:lnSpc>
-              <a:spcBef>
-                <a:spcPts val="0"/>
-              </a:spcBef>
-              <a:spcAft>
-                <a:spcPts val="1000"/>
-              </a:spcAft>
-              <a:buSzPct val="100000"/>
-              <a:buFont typeface="Montserrat"/>
-              <a:buAutoNum type="arabicPeriod"/>
-            </a:pPr>
-            <a:r>
-              <a:rPr lang="en-GB" sz="1800" dirty="0">
-                <a:solidFill>
-                  <a:schemeClr val="dk1"/>
-                </a:solidFill>
-                <a:latin typeface="Montserrat"/>
-                <a:ea typeface="Montserrat"/>
-                <a:cs typeface="Montserrat"/>
-                <a:sym typeface="Montserrat"/>
-              </a:rPr>
-              <a:t>What would be the project scope. (Do you want to create a visualisation dashboard, a entire analytics workflow, or just a simple proof of concept via </a:t>
-            </a:r>
-            <a:r>
-              <a:rPr lang="en-GB" sz="1800" dirty="0" err="1">
-                <a:solidFill>
-                  <a:schemeClr val="dk1"/>
-                </a:solidFill>
-                <a:latin typeface="Montserrat"/>
-                <a:ea typeface="Montserrat"/>
-                <a:cs typeface="Montserrat"/>
-                <a:sym typeface="Montserrat"/>
-              </a:rPr>
-              <a:t>Jupyter</a:t>
-            </a:r>
-            <a:r>
-              <a:rPr lang="en-GB" sz="1800" dirty="0">
-                <a:solidFill>
-                  <a:schemeClr val="dk1"/>
-                </a:solidFill>
-                <a:latin typeface="Montserrat"/>
-                <a:ea typeface="Montserrat"/>
-                <a:cs typeface="Montserrat"/>
-                <a:sym typeface="Montserrat"/>
-              </a:rPr>
-              <a:t> notebook)</a:t>
-            </a:r>
-          </a:p>
-          <a:p>
-            <a:pPr marL="457200" marR="0" lvl="0" indent="-342900" algn="l" rtl="0">
-              <a:lnSpc>
-                <a:spcPct val="115000"/>
-              </a:lnSpc>
-              <a:spcBef>
-                <a:spcPts val="0"/>
-              </a:spcBef>
-              <a:spcAft>
-                <a:spcPts val="1000"/>
-              </a:spcAft>
-              <a:buSzPct val="100000"/>
-              <a:buFont typeface="Montserrat"/>
-              <a:buAutoNum type="arabicPeriod"/>
-            </a:pPr>
-            <a:r>
-              <a:rPr lang="en-GB" sz="1800" dirty="0">
-                <a:solidFill>
-                  <a:schemeClr val="dk1"/>
-                </a:solidFill>
-                <a:latin typeface="Montserrat"/>
-                <a:ea typeface="Montserrat"/>
-                <a:cs typeface="Montserrat"/>
-                <a:sym typeface="Montserrat"/>
-              </a:rPr>
-              <a:t>Obtaining the d</a:t>
-            </a:r>
-            <a:r>
-              <a:rPr lang="en-GB" sz="1800" dirty="0">
-                <a:solidFill>
-                  <a:schemeClr val="dk1"/>
-                </a:solidFill>
-                <a:latin typeface="Montserrat"/>
-                <a:sym typeface="Montserrat"/>
-              </a:rPr>
-              <a:t>ata to do the analysis</a:t>
-            </a:r>
-          </a:p>
-          <a:p>
-            <a:pPr marL="457200" marR="0" lvl="0" indent="-342900" algn="l" rtl="0">
-              <a:lnSpc>
-                <a:spcPct val="115000"/>
-              </a:lnSpc>
-              <a:spcBef>
-                <a:spcPts val="0"/>
-              </a:spcBef>
-              <a:spcAft>
-                <a:spcPts val="1000"/>
-              </a:spcAft>
-              <a:buSzPct val="100000"/>
-              <a:buFont typeface="Montserrat"/>
-              <a:buAutoNum type="arabicPeriod"/>
-            </a:pPr>
-            <a:r>
-              <a:rPr lang="en-GB" sz="1800" dirty="0">
-                <a:solidFill>
-                  <a:schemeClr val="dk1"/>
-                </a:solidFill>
-                <a:latin typeface="Montserrat"/>
-                <a:sym typeface="Montserrat"/>
-              </a:rPr>
-              <a:t>Ways to Analyse market trends; how does social media = predict markets</a:t>
-            </a:r>
-          </a:p>
-          <a:p>
-            <a:pPr marL="457200" marR="0" lvl="0" indent="-342900" algn="l" rtl="0">
-              <a:lnSpc>
-                <a:spcPct val="115000"/>
-              </a:lnSpc>
-              <a:spcBef>
-                <a:spcPts val="0"/>
-              </a:spcBef>
-              <a:spcAft>
-                <a:spcPts val="1000"/>
-              </a:spcAft>
-              <a:buSzPct val="100000"/>
-              <a:buFont typeface="Montserrat"/>
-              <a:buAutoNum type="arabicPeriod"/>
-            </a:pPr>
-            <a:r>
-              <a:rPr lang="en-GB" sz="1800" dirty="0">
-                <a:solidFill>
-                  <a:schemeClr val="dk1"/>
-                </a:solidFill>
-                <a:latin typeface="Montserrat"/>
-                <a:sym typeface="Montserrat"/>
-              </a:rPr>
-              <a:t>How do we show the effectiveness of the model?</a:t>
-            </a:r>
-          </a:p>
-        </p:txBody>
-      </p:sp>
-    </p:spTree>
-    <p:extLst>
-      <p:ext uri="{BB962C8B-B14F-4D97-AF65-F5344CB8AC3E}">
-        <p14:creationId xmlns:p14="http://schemas.microsoft.com/office/powerpoint/2010/main" val="4048896854"/>
-      </p:ext>
-    </p:extLst>
-  </p:cSld>
-  <p:clrMapOvr>
-    <a:masterClrMapping/>
-  </p:clrMapOvr>
-  <mc:AlternateContent xmlns:mc="http://schemas.openxmlformats.org/markup-compatibility/2006" xmlns:p14="http://schemas.microsoft.com/office/powerpoint/2010/main">
-    <mc:Choice Requires="p14">
-      <p:transition spd="med" p14:dur="700">
-        <p:fade/>
-      </p:transition>
-    </mc:Choice>
-    <mc:Fallback xmlns="">
-      <p:transition spd="med">
-        <p:fade/>
-      </p:transition>
-    </mc:Fallback>
-  </mc:AlternateContent>
-</p:sld>
-</file>
-
-<file path=ppt/slides/slide6.xml><?xml version="1.0" encoding="utf-8"?>
-<p:sld xmlns:a="http://schemas.openxmlformats.org/drawingml/2006/main" xmlns:r="http://schemas.openxmlformats.org/officeDocument/2006/relationships" xmlns:p="http://schemas.openxmlformats.org/presentationml/2006/main">
-  <p:cSld>
-    <p:spTree>
-      <p:nvGrpSpPr>
-        <p:cNvPr id="1" name="Shape 183"/>
-        <p:cNvGrpSpPr/>
-        <p:nvPr/>
-      </p:nvGrpSpPr>
-      <p:grpSpPr>
-        <a:xfrm>
-          <a:off x="0" y="0"/>
-          <a:ext cx="0" cy="0"/>
-          <a:chOff x="0" y="0"/>
-          <a:chExt cx="0" cy="0"/>
-        </a:xfrm>
-      </p:grpSpPr>
-      <p:sp>
-        <p:nvSpPr>
-          <p:cNvPr id="184" name="Shape 184"/>
-          <p:cNvSpPr txBox="1"/>
-          <p:nvPr/>
-        </p:nvSpPr>
-        <p:spPr>
-          <a:xfrm>
-            <a:off x="817836" y="419470"/>
-            <a:ext cx="8326164" cy="438581"/>
-          </a:xfrm>
-          <a:prstGeom prst="rect">
-            <a:avLst/>
-          </a:prstGeom>
-          <a:noFill/>
-          <a:ln>
-            <a:noFill/>
-          </a:ln>
-        </p:spPr>
-        <p:txBody>
-          <a:bodyPr wrap="square" lIns="68575" tIns="34275" rIns="68575" bIns="34275" anchor="t" anchorCtr="0">
-            <a:noAutofit/>
-          </a:bodyPr>
-          <a:lstStyle/>
-          <a:p>
-            <a:pPr marL="0" marR="0" lvl="0" indent="0" algn="l" rtl="0">
-              <a:spcBef>
-                <a:spcPts val="0"/>
-              </a:spcBef>
-              <a:buSzPct val="25000"/>
-              <a:buNone/>
-            </a:pPr>
-            <a:r>
-              <a:rPr lang="en-GB" sz="2400" b="1" spc="300" dirty="0">
-                <a:solidFill>
-                  <a:schemeClr val="dk1"/>
-                </a:solidFill>
-                <a:latin typeface="Montserrat"/>
-                <a:ea typeface="Montserrat"/>
-                <a:cs typeface="Montserrat"/>
-                <a:sym typeface="Montserrat"/>
-              </a:rPr>
-              <a:t>RESOURCES</a:t>
-            </a:r>
-          </a:p>
-        </p:txBody>
-      </p:sp>
-      <p:sp>
-        <p:nvSpPr>
-          <p:cNvPr id="186" name="Shape 186"/>
-          <p:cNvSpPr txBox="1"/>
-          <p:nvPr/>
-        </p:nvSpPr>
-        <p:spPr>
-          <a:xfrm>
-            <a:off x="906585" y="858051"/>
-            <a:ext cx="7419579" cy="3825411"/>
-          </a:xfrm>
-          <a:prstGeom prst="rect">
-            <a:avLst/>
-          </a:prstGeom>
-          <a:noFill/>
-          <a:ln>
-            <a:noFill/>
-          </a:ln>
-        </p:spPr>
-        <p:txBody>
-          <a:bodyPr wrap="square" lIns="68575" tIns="34275" rIns="68575" bIns="34275" anchor="t" anchorCtr="0">
-            <a:noAutofit/>
-          </a:bodyPr>
-          <a:lstStyle/>
-          <a:p>
-            <a:pPr marL="457200" lvl="0" indent="-342900">
-              <a:lnSpc>
-                <a:spcPct val="114000"/>
-              </a:lnSpc>
-              <a:spcAft>
-                <a:spcPts val="1000"/>
-              </a:spcAft>
-              <a:buSzPct val="100000"/>
-              <a:buFont typeface="Montserrat"/>
-              <a:buAutoNum type="arabicPeriod"/>
-            </a:pPr>
-            <a:r>
-              <a:rPr lang="en-SG" sz="1500" dirty="0">
-                <a:solidFill>
-                  <a:schemeClr val="dk1"/>
-                </a:solidFill>
-                <a:latin typeface="Montserrat"/>
-              </a:rPr>
-              <a:t>[Sentiment Analysis in Python] - </a:t>
-            </a:r>
-            <a:r>
-              <a:rPr lang="en-SG" sz="1500" dirty="0">
-                <a:solidFill>
-                  <a:srgbClr val="01AB6E"/>
-                </a:solidFill>
-                <a:latin typeface="Montserrat"/>
-                <a:hlinkClick r:id="rId3">
-                  <a:extLst>
-                    <a:ext uri="{A12FA001-AC4F-418D-AE19-62706E023703}">
-                      <ahyp:hlinkClr xmlns:ahyp="http://schemas.microsoft.com/office/drawing/2018/hyperlinkcolor" val="tx"/>
-                    </a:ext>
-                  </a:extLst>
-                </a:hlinkClick>
-              </a:rPr>
-              <a:t>https://medium.com/analytics-vidhya/simplifying-social-media-sentiment-analysis-using-vader-in-python-f9e6ec6fc52f</a:t>
-            </a:r>
-            <a:endParaRPr lang="en-SG" sz="1500" dirty="0">
-              <a:solidFill>
-                <a:srgbClr val="01AB6E"/>
-              </a:solidFill>
-              <a:latin typeface="Montserrat"/>
-            </a:endParaRPr>
-          </a:p>
-          <a:p>
-            <a:pPr marL="457200" lvl="0" indent="-342900">
-              <a:lnSpc>
-                <a:spcPct val="114000"/>
-              </a:lnSpc>
-              <a:spcAft>
-                <a:spcPts val="1000"/>
-              </a:spcAft>
-              <a:buSzPct val="100000"/>
-              <a:buFont typeface="Montserrat"/>
-              <a:buAutoNum type="arabicPeriod"/>
-            </a:pPr>
-            <a:r>
-              <a:rPr lang="en-SG" sz="1500" dirty="0">
-                <a:solidFill>
-                  <a:schemeClr val="dk1"/>
-                </a:solidFill>
-                <a:latin typeface="Montserrat"/>
-                <a:sym typeface="Montserrat"/>
-              </a:rPr>
-              <a:t>[Spell Checker by the person behind Google Autocorrect] - </a:t>
-            </a:r>
-            <a:r>
-              <a:rPr lang="en-SG" sz="1500" dirty="0">
-                <a:solidFill>
-                  <a:srgbClr val="01AB6E"/>
-                </a:solidFill>
-                <a:latin typeface="Montserrat"/>
-                <a:hlinkClick r:id="rId4">
-                  <a:extLst>
-                    <a:ext uri="{A12FA001-AC4F-418D-AE19-62706E023703}">
-                      <ahyp:hlinkClr xmlns:ahyp="http://schemas.microsoft.com/office/drawing/2018/hyperlinkcolor" val="tx"/>
-                    </a:ext>
-                  </a:extLst>
-                </a:hlinkClick>
-              </a:rPr>
-              <a:t>http://norvig.com/spell-correct.html</a:t>
-            </a:r>
-            <a:endParaRPr lang="en-SG" sz="1500" dirty="0">
-              <a:solidFill>
-                <a:srgbClr val="01AB6E"/>
-              </a:solidFill>
-              <a:latin typeface="Montserrat"/>
-            </a:endParaRPr>
-          </a:p>
-          <a:p>
-            <a:pPr marL="457200" lvl="0" indent="-342900">
-              <a:lnSpc>
-                <a:spcPct val="114000"/>
-              </a:lnSpc>
-              <a:spcAft>
-                <a:spcPts val="1000"/>
-              </a:spcAft>
-              <a:buSzPct val="100000"/>
-              <a:buFont typeface="Montserrat"/>
-              <a:buAutoNum type="arabicPeriod"/>
-            </a:pPr>
-            <a:r>
-              <a:rPr lang="en-GB" sz="1500" dirty="0">
-                <a:solidFill>
-                  <a:schemeClr val="dk1"/>
-                </a:solidFill>
-                <a:latin typeface="Montserrat"/>
-                <a:sym typeface="Montserrat"/>
-              </a:rPr>
-              <a:t>[Text Analytics Crash Course] - </a:t>
-            </a:r>
-            <a:r>
-              <a:rPr lang="en-SG" sz="1500" dirty="0">
-                <a:solidFill>
-                  <a:srgbClr val="01AB6E"/>
-                </a:solidFill>
-                <a:latin typeface="Montserrat"/>
-                <a:hlinkClick r:id="rId5">
-                  <a:extLst>
-                    <a:ext uri="{A12FA001-AC4F-418D-AE19-62706E023703}">
-                      <ahyp:hlinkClr xmlns:ahyp="http://schemas.microsoft.com/office/drawing/2018/hyperlinkcolor" val="tx"/>
-                    </a:ext>
-                  </a:extLst>
-                </a:hlinkClick>
-              </a:rPr>
-              <a:t>https://towardsdatascience.com/your-guide-to-natural-language-processing-nlp-48ea2511f6e1</a:t>
-            </a:r>
-            <a:endParaRPr lang="en-SG" sz="1500" dirty="0">
-              <a:solidFill>
-                <a:srgbClr val="01AB6E"/>
-              </a:solidFill>
-              <a:latin typeface="Montserrat"/>
-            </a:endParaRPr>
-          </a:p>
-          <a:p>
-            <a:pPr marL="457200" lvl="0" indent="-342900">
-              <a:lnSpc>
-                <a:spcPct val="114000"/>
-              </a:lnSpc>
-              <a:spcAft>
-                <a:spcPts val="1000"/>
-              </a:spcAft>
-              <a:buSzPct val="100000"/>
-              <a:buFont typeface="Montserrat"/>
-              <a:buAutoNum type="arabicPeriod"/>
-            </a:pPr>
-            <a:r>
-              <a:rPr lang="en-SG" sz="1500" dirty="0">
-                <a:solidFill>
-                  <a:schemeClr val="dk1"/>
-                </a:solidFill>
-                <a:latin typeface="Montserrat"/>
-              </a:rPr>
-              <a:t>[More Detailed NLP Crash Course] - </a:t>
-            </a:r>
-            <a:r>
-              <a:rPr lang="en-SG" sz="1500" dirty="0">
-                <a:solidFill>
-                  <a:srgbClr val="01AB6E"/>
-                </a:solidFill>
-                <a:latin typeface="Montserrat"/>
-                <a:hlinkClick r:id="rId6">
-                  <a:extLst>
-                    <a:ext uri="{A12FA001-AC4F-418D-AE19-62706E023703}">
-                      <ahyp:hlinkClr xmlns:ahyp="http://schemas.microsoft.com/office/drawing/2018/hyperlinkcolor" val="tx"/>
-                    </a:ext>
-                  </a:extLst>
-                </a:hlinkClick>
-              </a:rPr>
-              <a:t>https://machinelearningmastery.com/crash-course-deep-learning-natural-language-processing/</a:t>
-            </a:r>
-            <a:endParaRPr lang="en-SG" sz="1500" dirty="0">
-              <a:solidFill>
-                <a:srgbClr val="01AB6E"/>
-              </a:solidFill>
-              <a:latin typeface="Montserrat"/>
-            </a:endParaRPr>
-          </a:p>
-          <a:p>
-            <a:pPr marL="457200" lvl="0" indent="-342900">
-              <a:lnSpc>
-                <a:spcPct val="114000"/>
-              </a:lnSpc>
-              <a:spcAft>
-                <a:spcPts val="1000"/>
-              </a:spcAft>
-              <a:buSzPct val="100000"/>
-              <a:buFont typeface="Montserrat"/>
-              <a:buAutoNum type="arabicPeriod"/>
-            </a:pPr>
-            <a:r>
-              <a:rPr lang="en-SG" sz="1500" dirty="0">
-                <a:solidFill>
-                  <a:schemeClr val="tx1"/>
-                </a:solidFill>
-                <a:latin typeface="Montserrat"/>
-              </a:rPr>
-              <a:t>[A bot that makes money from Donald Trump’s Tweets] - </a:t>
-            </a:r>
-            <a:r>
-              <a:rPr lang="en-SG" sz="1500" dirty="0">
-                <a:solidFill>
-                  <a:srgbClr val="01AB6E"/>
-                </a:solidFill>
-                <a:latin typeface="Montserrat"/>
-                <a:hlinkClick r:id="rId7">
-                  <a:extLst>
-                    <a:ext uri="{A12FA001-AC4F-418D-AE19-62706E023703}">
-                      <ahyp:hlinkClr xmlns:ahyp="http://schemas.microsoft.com/office/drawing/2018/hyperlinkcolor" val="tx"/>
-                    </a:ext>
-                  </a:extLst>
-                </a:hlinkClick>
-              </a:rPr>
-              <a:t>https://techcrunch.com/2017/02/10/trump2cash-lets-you-invest-automatically-whenever-the-president-mentions-a-publicly-traded-company/</a:t>
-            </a:r>
-            <a:endParaRPr lang="en-SG" sz="1500" dirty="0">
-              <a:solidFill>
-                <a:srgbClr val="01AB6E"/>
-              </a:solidFill>
-              <a:latin typeface="Montserrat"/>
-            </a:endParaRPr>
-          </a:p>
-          <a:p>
-            <a:pPr marL="457200" lvl="0" indent="-342900">
-              <a:lnSpc>
-                <a:spcPct val="114000"/>
-              </a:lnSpc>
-              <a:spcAft>
-                <a:spcPts val="1000"/>
-              </a:spcAft>
-              <a:buSzPct val="100000"/>
-              <a:buFont typeface="Montserrat"/>
-              <a:buAutoNum type="arabicPeriod"/>
-            </a:pPr>
-            <a:endParaRPr lang="en-SG" dirty="0">
-              <a:solidFill>
-                <a:srgbClr val="01AB6E"/>
-              </a:solidFill>
-              <a:latin typeface="Montserrat"/>
-            </a:endParaRPr>
-          </a:p>
-          <a:p>
-            <a:pPr marL="457200" lvl="0" indent="-342900">
-              <a:lnSpc>
-                <a:spcPct val="114000"/>
-              </a:lnSpc>
-              <a:spcAft>
-                <a:spcPts val="1000"/>
-              </a:spcAft>
-              <a:buSzPct val="100000"/>
-              <a:buFont typeface="Montserrat"/>
-              <a:buAutoNum type="arabicPeriod"/>
-            </a:pPr>
-            <a:endParaRPr lang="en-GB" sz="1200" dirty="0">
-              <a:solidFill>
-                <a:schemeClr val="dk1"/>
-              </a:solidFill>
-              <a:latin typeface="Montserrat"/>
-              <a:sym typeface="Montserrat"/>
-            </a:endParaRPr>
-          </a:p>
-        </p:txBody>
-      </p:sp>
-    </p:spTree>
-    <p:extLst>
-      <p:ext uri="{BB962C8B-B14F-4D97-AF65-F5344CB8AC3E}">
-        <p14:creationId xmlns:p14="http://schemas.microsoft.com/office/powerpoint/2010/main" val="3939143292"/>
-      </p:ext>
-    </p:extLst>
   </p:cSld>
   <p:clrMapOvr>
     <a:masterClrMapping/>

--- a/static/img/drive/Artificial Not-So Intelligent Pitch.pptx
+++ b/static/img/drive/Artificial Not-So Intelligent Pitch.pptx
@@ -6,50 +6,51 @@
     <p:sldMasterId id="2147483672" r:id="rId2"/>
   </p:sldMasterIdLst>
   <p:notesMasterIdLst>
-    <p:notesMasterId r:id="rId6"/>
+    <p:notesMasterId r:id="rId14"/>
   </p:notesMasterIdLst>
   <p:sldIdLst>
     <p:sldId id="256" r:id="rId3"/>
     <p:sldId id="258" r:id="rId4"/>
     <p:sldId id="261" r:id="rId5"/>
+    <p:sldId id="262" r:id="rId6"/>
+    <p:sldId id="263" r:id="rId7"/>
+    <p:sldId id="264" r:id="rId8"/>
+    <p:sldId id="265" r:id="rId9"/>
+    <p:sldId id="266" r:id="rId10"/>
+    <p:sldId id="268" r:id="rId11"/>
+    <p:sldId id="267" r:id="rId12"/>
+    <p:sldId id="269" r:id="rId13"/>
   </p:sldIdLst>
   <p:sldSz cx="9144000" cy="5143500" type="screen16x9"/>
   <p:notesSz cx="6858000" cy="9144000"/>
   <p:embeddedFontLst>
     <p:embeddedFont>
       <p:font typeface="Calibri" panose="020F0502020204030204" pitchFamily="34" charset="0"/>
-      <p:regular r:id="rId7"/>
-      <p:bold r:id="rId8"/>
-      <p:italic r:id="rId9"/>
-      <p:boldItalic r:id="rId10"/>
-    </p:embeddedFont>
-    <p:embeddedFont>
-      <p:font typeface="Economica" panose="020B0604020202020204" charset="0"/>
-      <p:regular r:id="rId11"/>
-      <p:bold r:id="rId12"/>
-      <p:italic r:id="rId13"/>
-      <p:boldItalic r:id="rId14"/>
-    </p:embeddedFont>
-    <p:embeddedFont>
-      <p:font typeface="Montserrat" panose="020B0604020202020204" charset="0"/>
       <p:regular r:id="rId15"/>
       <p:bold r:id="rId16"/>
       <p:italic r:id="rId17"/>
       <p:boldItalic r:id="rId18"/>
     </p:embeddedFont>
     <p:embeddedFont>
-      <p:font typeface="Open Sans" panose="020B0606030504020204" pitchFamily="34" charset="0"/>
+      <p:font typeface="Economica" panose="020B0604020202020204" charset="0"/>
       <p:regular r:id="rId19"/>
       <p:bold r:id="rId20"/>
       <p:italic r:id="rId21"/>
       <p:boldItalic r:id="rId22"/>
     </p:embeddedFont>
     <p:embeddedFont>
-      <p:font typeface="Raleway" panose="020B0604020202020204" charset="0"/>
+      <p:font typeface="Montserrat" panose="020B0604020202020204" charset="0"/>
       <p:regular r:id="rId23"/>
       <p:bold r:id="rId24"/>
       <p:italic r:id="rId25"/>
       <p:boldItalic r:id="rId26"/>
+    </p:embeddedFont>
+    <p:embeddedFont>
+      <p:font typeface="Open Sans" panose="020B0606030504020204" pitchFamily="34" charset="0"/>
+      <p:regular r:id="rId27"/>
+      <p:bold r:id="rId28"/>
+      <p:italic r:id="rId29"/>
+      <p:boldItalic r:id="rId30"/>
     </p:embeddedFont>
   </p:embeddedFontLst>
   <p:defaultTextStyle>
@@ -665,6 +666,226 @@
 </p:notes>
 </file>
 
+<file path=ppt/notesSlides/notesSlide10.xml><?xml version="1.0" encoding="utf-8"?>
+<p:notes xmlns:a="http://schemas.openxmlformats.org/drawingml/2006/main" xmlns:r="http://schemas.openxmlformats.org/officeDocument/2006/relationships" xmlns:p="http://schemas.openxmlformats.org/presentationml/2006/main" showMasterSp="0" showMasterPhAnim="0">
+  <p:cSld>
+    <p:spTree>
+      <p:nvGrpSpPr>
+        <p:cNvPr id="1" name="Shape 180"/>
+        <p:cNvGrpSpPr/>
+        <p:nvPr/>
+      </p:nvGrpSpPr>
+      <p:grpSpPr>
+        <a:xfrm>
+          <a:off x="0" y="0"/>
+          <a:ext cx="0" cy="0"/>
+          <a:chOff x="0" y="0"/>
+          <a:chExt cx="0" cy="0"/>
+        </a:xfrm>
+      </p:grpSpPr>
+      <p:sp>
+        <p:nvSpPr>
+          <p:cNvPr id="181" name="Shape 181"/>
+          <p:cNvSpPr txBox="1">
+            <a:spLocks noGrp="1"/>
+          </p:cNvSpPr>
+          <p:nvPr>
+            <p:ph type="body" idx="1"/>
+          </p:nvPr>
+        </p:nvSpPr>
+        <p:spPr>
+          <a:xfrm>
+            <a:off x="685800" y="4400550"/>
+            <a:ext cx="5486400" cy="3600450"/>
+          </a:xfrm>
+          <a:prstGeom prst="rect">
+            <a:avLst/>
+          </a:prstGeom>
+          <a:noFill/>
+          <a:ln>
+            <a:noFill/>
+          </a:ln>
+        </p:spPr>
+        <p:txBody>
+          <a:bodyPr wrap="square" lIns="91425" tIns="91425" rIns="91425" bIns="91425" anchor="ctr" anchorCtr="0">
+            <a:noAutofit/>
+          </a:bodyPr>
+          <a:lstStyle/>
+          <a:p>
+            <a:pPr lvl="0">
+              <a:spcBef>
+                <a:spcPts val="0"/>
+              </a:spcBef>
+              <a:buNone/>
+            </a:pPr>
+            <a:endParaRPr/>
+          </a:p>
+        </p:txBody>
+      </p:sp>
+      <p:sp>
+        <p:nvSpPr>
+          <p:cNvPr id="182" name="Shape 182"/>
+          <p:cNvSpPr>
+            <a:spLocks noGrp="1" noRot="1" noChangeAspect="1"/>
+          </p:cNvSpPr>
+          <p:nvPr>
+            <p:ph type="sldImg" idx="2"/>
+          </p:nvPr>
+        </p:nvSpPr>
+        <p:spPr>
+          <a:xfrm>
+            <a:off x="685800" y="1143000"/>
+            <a:ext cx="5486400" cy="3086100"/>
+          </a:xfrm>
+          <a:custGeom>
+            <a:avLst/>
+            <a:gdLst/>
+            <a:ahLst/>
+            <a:cxnLst/>
+            <a:rect l="0" t="0" r="0" b="0"/>
+            <a:pathLst>
+              <a:path w="120000" h="120000" extrusionOk="0">
+                <a:moveTo>
+                  <a:pt x="0" y="0"/>
+                </a:moveTo>
+                <a:lnTo>
+                  <a:pt x="120000" y="0"/>
+                </a:lnTo>
+                <a:lnTo>
+                  <a:pt x="120000" y="120000"/>
+                </a:lnTo>
+                <a:lnTo>
+                  <a:pt x="0" y="120000"/>
+                </a:lnTo>
+                <a:close/>
+              </a:path>
+            </a:pathLst>
+          </a:custGeom>
+        </p:spPr>
+      </p:sp>
+    </p:spTree>
+    <p:extLst>
+      <p:ext uri="{BB962C8B-B14F-4D97-AF65-F5344CB8AC3E}">
+        <p14:creationId xmlns:p14="http://schemas.microsoft.com/office/powerpoint/2010/main" val="818188501"/>
+      </p:ext>
+    </p:extLst>
+  </p:cSld>
+  <p:clrMapOvr>
+    <a:masterClrMapping/>
+  </p:clrMapOvr>
+</p:notes>
+</file>
+
+<file path=ppt/notesSlides/notesSlide11.xml><?xml version="1.0" encoding="utf-8"?>
+<p:notes xmlns:a="http://schemas.openxmlformats.org/drawingml/2006/main" xmlns:r="http://schemas.openxmlformats.org/officeDocument/2006/relationships" xmlns:p="http://schemas.openxmlformats.org/presentationml/2006/main" showMasterSp="0" showMasterPhAnim="0">
+  <p:cSld>
+    <p:spTree>
+      <p:nvGrpSpPr>
+        <p:cNvPr id="1" name="Shape 180"/>
+        <p:cNvGrpSpPr/>
+        <p:nvPr/>
+      </p:nvGrpSpPr>
+      <p:grpSpPr>
+        <a:xfrm>
+          <a:off x="0" y="0"/>
+          <a:ext cx="0" cy="0"/>
+          <a:chOff x="0" y="0"/>
+          <a:chExt cx="0" cy="0"/>
+        </a:xfrm>
+      </p:grpSpPr>
+      <p:sp>
+        <p:nvSpPr>
+          <p:cNvPr id="181" name="Shape 181"/>
+          <p:cNvSpPr txBox="1">
+            <a:spLocks noGrp="1"/>
+          </p:cNvSpPr>
+          <p:nvPr>
+            <p:ph type="body" idx="1"/>
+          </p:nvPr>
+        </p:nvSpPr>
+        <p:spPr>
+          <a:xfrm>
+            <a:off x="685800" y="4400550"/>
+            <a:ext cx="5486400" cy="3600450"/>
+          </a:xfrm>
+          <a:prstGeom prst="rect">
+            <a:avLst/>
+          </a:prstGeom>
+          <a:noFill/>
+          <a:ln>
+            <a:noFill/>
+          </a:ln>
+        </p:spPr>
+        <p:txBody>
+          <a:bodyPr wrap="square" lIns="91425" tIns="91425" rIns="91425" bIns="91425" anchor="ctr" anchorCtr="0">
+            <a:noAutofit/>
+          </a:bodyPr>
+          <a:lstStyle/>
+          <a:p>
+            <a:pPr lvl="0">
+              <a:spcBef>
+                <a:spcPts val="0"/>
+              </a:spcBef>
+              <a:buNone/>
+            </a:pPr>
+            <a:endParaRPr/>
+          </a:p>
+        </p:txBody>
+      </p:sp>
+      <p:sp>
+        <p:nvSpPr>
+          <p:cNvPr id="182" name="Shape 182"/>
+          <p:cNvSpPr>
+            <a:spLocks noGrp="1" noRot="1" noChangeAspect="1"/>
+          </p:cNvSpPr>
+          <p:nvPr>
+            <p:ph type="sldImg" idx="2"/>
+          </p:nvPr>
+        </p:nvSpPr>
+        <p:spPr>
+          <a:xfrm>
+            <a:off x="685800" y="1143000"/>
+            <a:ext cx="5486400" cy="3086100"/>
+          </a:xfrm>
+          <a:custGeom>
+            <a:avLst/>
+            <a:gdLst/>
+            <a:ahLst/>
+            <a:cxnLst/>
+            <a:rect l="0" t="0" r="0" b="0"/>
+            <a:pathLst>
+              <a:path w="120000" h="120000" extrusionOk="0">
+                <a:moveTo>
+                  <a:pt x="0" y="0"/>
+                </a:moveTo>
+                <a:lnTo>
+                  <a:pt x="120000" y="0"/>
+                </a:lnTo>
+                <a:lnTo>
+                  <a:pt x="120000" y="120000"/>
+                </a:lnTo>
+                <a:lnTo>
+                  <a:pt x="0" y="120000"/>
+                </a:lnTo>
+                <a:close/>
+              </a:path>
+            </a:pathLst>
+          </a:custGeom>
+        </p:spPr>
+      </p:sp>
+    </p:spTree>
+    <p:extLst>
+      <p:ext uri="{BB962C8B-B14F-4D97-AF65-F5344CB8AC3E}">
+        <p14:creationId xmlns:p14="http://schemas.microsoft.com/office/powerpoint/2010/main" val="3592631213"/>
+      </p:ext>
+    </p:extLst>
+  </p:cSld>
+  <p:clrMapOvr>
+    <a:masterClrMapping/>
+  </p:clrMapOvr>
+</p:notes>
+</file>
+
 <file path=ppt/notesSlides/notesSlide2.xml><?xml version="1.0" encoding="utf-8"?>
 <p:notes xmlns:a="http://schemas.openxmlformats.org/drawingml/2006/main" xmlns:r="http://schemas.openxmlformats.org/officeDocument/2006/relationships" xmlns:p="http://schemas.openxmlformats.org/presentationml/2006/main" showMasterSp="0" showMasterPhAnim="0">
   <p:cSld>
@@ -868,6 +1089,678 @@
         </p:spPr>
       </p:sp>
     </p:spTree>
+  </p:cSld>
+  <p:clrMapOvr>
+    <a:masterClrMapping/>
+  </p:clrMapOvr>
+</p:notes>
+</file>
+
+<file path=ppt/notesSlides/notesSlide4.xml><?xml version="1.0" encoding="utf-8"?>
+<p:notes xmlns:a="http://schemas.openxmlformats.org/drawingml/2006/main" xmlns:r="http://schemas.openxmlformats.org/officeDocument/2006/relationships" xmlns:p="http://schemas.openxmlformats.org/presentationml/2006/main" showMasterSp="0" showMasterPhAnim="0">
+  <p:cSld>
+    <p:spTree>
+      <p:nvGrpSpPr>
+        <p:cNvPr id="1" name="Shape 180"/>
+        <p:cNvGrpSpPr/>
+        <p:nvPr/>
+      </p:nvGrpSpPr>
+      <p:grpSpPr>
+        <a:xfrm>
+          <a:off x="0" y="0"/>
+          <a:ext cx="0" cy="0"/>
+          <a:chOff x="0" y="0"/>
+          <a:chExt cx="0" cy="0"/>
+        </a:xfrm>
+      </p:grpSpPr>
+      <p:sp>
+        <p:nvSpPr>
+          <p:cNvPr id="181" name="Shape 181"/>
+          <p:cNvSpPr txBox="1">
+            <a:spLocks noGrp="1"/>
+          </p:cNvSpPr>
+          <p:nvPr>
+            <p:ph type="body" idx="1"/>
+          </p:nvPr>
+        </p:nvSpPr>
+        <p:spPr>
+          <a:xfrm>
+            <a:off x="685800" y="4400550"/>
+            <a:ext cx="5486400" cy="3600450"/>
+          </a:xfrm>
+          <a:prstGeom prst="rect">
+            <a:avLst/>
+          </a:prstGeom>
+          <a:noFill/>
+          <a:ln>
+            <a:noFill/>
+          </a:ln>
+        </p:spPr>
+        <p:txBody>
+          <a:bodyPr wrap="square" lIns="91425" tIns="91425" rIns="91425" bIns="91425" anchor="ctr" anchorCtr="0">
+            <a:noAutofit/>
+          </a:bodyPr>
+          <a:lstStyle/>
+          <a:p>
+            <a:pPr lvl="0">
+              <a:spcBef>
+                <a:spcPts val="0"/>
+              </a:spcBef>
+              <a:buNone/>
+            </a:pPr>
+            <a:endParaRPr/>
+          </a:p>
+        </p:txBody>
+      </p:sp>
+      <p:sp>
+        <p:nvSpPr>
+          <p:cNvPr id="182" name="Shape 182"/>
+          <p:cNvSpPr>
+            <a:spLocks noGrp="1" noRot="1" noChangeAspect="1"/>
+          </p:cNvSpPr>
+          <p:nvPr>
+            <p:ph type="sldImg" idx="2"/>
+          </p:nvPr>
+        </p:nvSpPr>
+        <p:spPr>
+          <a:xfrm>
+            <a:off x="685800" y="1143000"/>
+            <a:ext cx="5486400" cy="3086100"/>
+          </a:xfrm>
+          <a:custGeom>
+            <a:avLst/>
+            <a:gdLst/>
+            <a:ahLst/>
+            <a:cxnLst/>
+            <a:rect l="0" t="0" r="0" b="0"/>
+            <a:pathLst>
+              <a:path w="120000" h="120000" extrusionOk="0">
+                <a:moveTo>
+                  <a:pt x="0" y="0"/>
+                </a:moveTo>
+                <a:lnTo>
+                  <a:pt x="120000" y="0"/>
+                </a:lnTo>
+                <a:lnTo>
+                  <a:pt x="120000" y="120000"/>
+                </a:lnTo>
+                <a:lnTo>
+                  <a:pt x="0" y="120000"/>
+                </a:lnTo>
+                <a:close/>
+              </a:path>
+            </a:pathLst>
+          </a:custGeom>
+        </p:spPr>
+      </p:sp>
+    </p:spTree>
+    <p:extLst>
+      <p:ext uri="{BB962C8B-B14F-4D97-AF65-F5344CB8AC3E}">
+        <p14:creationId xmlns:p14="http://schemas.microsoft.com/office/powerpoint/2010/main" val="2394057036"/>
+      </p:ext>
+    </p:extLst>
+  </p:cSld>
+  <p:clrMapOvr>
+    <a:masterClrMapping/>
+  </p:clrMapOvr>
+</p:notes>
+</file>
+
+<file path=ppt/notesSlides/notesSlide5.xml><?xml version="1.0" encoding="utf-8"?>
+<p:notes xmlns:a="http://schemas.openxmlformats.org/drawingml/2006/main" xmlns:r="http://schemas.openxmlformats.org/officeDocument/2006/relationships" xmlns:p="http://schemas.openxmlformats.org/presentationml/2006/main" showMasterSp="0" showMasterPhAnim="0">
+  <p:cSld>
+    <p:spTree>
+      <p:nvGrpSpPr>
+        <p:cNvPr id="1" name="Shape 134"/>
+        <p:cNvGrpSpPr/>
+        <p:nvPr/>
+      </p:nvGrpSpPr>
+      <p:grpSpPr>
+        <a:xfrm>
+          <a:off x="0" y="0"/>
+          <a:ext cx="0" cy="0"/>
+          <a:chOff x="0" y="0"/>
+          <a:chExt cx="0" cy="0"/>
+        </a:xfrm>
+      </p:grpSpPr>
+      <p:sp>
+        <p:nvSpPr>
+          <p:cNvPr id="135" name="Shape 135"/>
+          <p:cNvSpPr>
+            <a:spLocks noGrp="1" noRot="1" noChangeAspect="1"/>
+          </p:cNvSpPr>
+          <p:nvPr>
+            <p:ph type="sldImg" idx="2"/>
+          </p:nvPr>
+        </p:nvSpPr>
+        <p:spPr>
+          <a:xfrm>
+            <a:off x="381000" y="685800"/>
+            <a:ext cx="6096000" cy="3429000"/>
+          </a:xfrm>
+          <a:custGeom>
+            <a:avLst/>
+            <a:gdLst/>
+            <a:ahLst/>
+            <a:cxnLst/>
+            <a:rect l="0" t="0" r="0" b="0"/>
+            <a:pathLst>
+              <a:path w="120000" h="120000" extrusionOk="0">
+                <a:moveTo>
+                  <a:pt x="0" y="0"/>
+                </a:moveTo>
+                <a:lnTo>
+                  <a:pt x="120000" y="0"/>
+                </a:lnTo>
+                <a:lnTo>
+                  <a:pt x="120000" y="120000"/>
+                </a:lnTo>
+                <a:lnTo>
+                  <a:pt x="0" y="120000"/>
+                </a:lnTo>
+                <a:close/>
+              </a:path>
+            </a:pathLst>
+          </a:custGeom>
+          <a:noFill/>
+          <a:ln w="9525" cap="flat" cmpd="sng">
+            <a:solidFill>
+              <a:srgbClr val="000000"/>
+            </a:solidFill>
+            <a:prstDash val="solid"/>
+            <a:round/>
+            <a:headEnd type="none" w="med" len="med"/>
+            <a:tailEnd type="none" w="med" len="med"/>
+          </a:ln>
+        </p:spPr>
+      </p:sp>
+      <p:sp>
+        <p:nvSpPr>
+          <p:cNvPr id="136" name="Shape 136"/>
+          <p:cNvSpPr txBox="1">
+            <a:spLocks noGrp="1"/>
+          </p:cNvSpPr>
+          <p:nvPr>
+            <p:ph type="body" idx="1"/>
+          </p:nvPr>
+        </p:nvSpPr>
+        <p:spPr>
+          <a:xfrm>
+            <a:off x="685800" y="4343400"/>
+            <a:ext cx="5486400" cy="4114800"/>
+          </a:xfrm>
+          <a:prstGeom prst="rect">
+            <a:avLst/>
+          </a:prstGeom>
+          <a:noFill/>
+          <a:ln>
+            <a:noFill/>
+          </a:ln>
+        </p:spPr>
+        <p:txBody>
+          <a:bodyPr wrap="square" lIns="91425" tIns="91425" rIns="91425" bIns="91425" anchor="t" anchorCtr="0">
+            <a:noAutofit/>
+          </a:bodyPr>
+          <a:lstStyle/>
+          <a:p>
+            <a:pPr marL="0" marR="0" lvl="0" indent="0" algn="l" rtl="0">
+              <a:spcBef>
+                <a:spcPts val="0"/>
+              </a:spcBef>
+              <a:buSzPct val="25000"/>
+              <a:buFont typeface="Arial"/>
+              <a:buNone/>
+            </a:pPr>
+            <a:endParaRPr sz="1100" b="0" i="0" u="none" strike="noStrike" cap="none"/>
+          </a:p>
+        </p:txBody>
+      </p:sp>
+    </p:spTree>
+    <p:extLst>
+      <p:ext uri="{BB962C8B-B14F-4D97-AF65-F5344CB8AC3E}">
+        <p14:creationId xmlns:p14="http://schemas.microsoft.com/office/powerpoint/2010/main" val="992635800"/>
+      </p:ext>
+    </p:extLst>
+  </p:cSld>
+  <p:clrMapOvr>
+    <a:masterClrMapping/>
+  </p:clrMapOvr>
+</p:notes>
+</file>
+
+<file path=ppt/notesSlides/notesSlide6.xml><?xml version="1.0" encoding="utf-8"?>
+<p:notes xmlns:a="http://schemas.openxmlformats.org/drawingml/2006/main" xmlns:r="http://schemas.openxmlformats.org/officeDocument/2006/relationships" xmlns:p="http://schemas.openxmlformats.org/presentationml/2006/main" showMasterSp="0" showMasterPhAnim="0">
+  <p:cSld>
+    <p:spTree>
+      <p:nvGrpSpPr>
+        <p:cNvPr id="1" name="Shape 180"/>
+        <p:cNvGrpSpPr/>
+        <p:nvPr/>
+      </p:nvGrpSpPr>
+      <p:grpSpPr>
+        <a:xfrm>
+          <a:off x="0" y="0"/>
+          <a:ext cx="0" cy="0"/>
+          <a:chOff x="0" y="0"/>
+          <a:chExt cx="0" cy="0"/>
+        </a:xfrm>
+      </p:grpSpPr>
+      <p:sp>
+        <p:nvSpPr>
+          <p:cNvPr id="181" name="Shape 181"/>
+          <p:cNvSpPr txBox="1">
+            <a:spLocks noGrp="1"/>
+          </p:cNvSpPr>
+          <p:nvPr>
+            <p:ph type="body" idx="1"/>
+          </p:nvPr>
+        </p:nvSpPr>
+        <p:spPr>
+          <a:xfrm>
+            <a:off x="685800" y="4400550"/>
+            <a:ext cx="5486400" cy="3600450"/>
+          </a:xfrm>
+          <a:prstGeom prst="rect">
+            <a:avLst/>
+          </a:prstGeom>
+          <a:noFill/>
+          <a:ln>
+            <a:noFill/>
+          </a:ln>
+        </p:spPr>
+        <p:txBody>
+          <a:bodyPr wrap="square" lIns="91425" tIns="91425" rIns="91425" bIns="91425" anchor="ctr" anchorCtr="0">
+            <a:noAutofit/>
+          </a:bodyPr>
+          <a:lstStyle/>
+          <a:p>
+            <a:pPr lvl="0">
+              <a:spcBef>
+                <a:spcPts val="0"/>
+              </a:spcBef>
+              <a:buNone/>
+            </a:pPr>
+            <a:endParaRPr/>
+          </a:p>
+        </p:txBody>
+      </p:sp>
+      <p:sp>
+        <p:nvSpPr>
+          <p:cNvPr id="182" name="Shape 182"/>
+          <p:cNvSpPr>
+            <a:spLocks noGrp="1" noRot="1" noChangeAspect="1"/>
+          </p:cNvSpPr>
+          <p:nvPr>
+            <p:ph type="sldImg" idx="2"/>
+          </p:nvPr>
+        </p:nvSpPr>
+        <p:spPr>
+          <a:xfrm>
+            <a:off x="685800" y="1143000"/>
+            <a:ext cx="5486400" cy="3086100"/>
+          </a:xfrm>
+          <a:custGeom>
+            <a:avLst/>
+            <a:gdLst/>
+            <a:ahLst/>
+            <a:cxnLst/>
+            <a:rect l="0" t="0" r="0" b="0"/>
+            <a:pathLst>
+              <a:path w="120000" h="120000" extrusionOk="0">
+                <a:moveTo>
+                  <a:pt x="0" y="0"/>
+                </a:moveTo>
+                <a:lnTo>
+                  <a:pt x="120000" y="0"/>
+                </a:lnTo>
+                <a:lnTo>
+                  <a:pt x="120000" y="120000"/>
+                </a:lnTo>
+                <a:lnTo>
+                  <a:pt x="0" y="120000"/>
+                </a:lnTo>
+                <a:close/>
+              </a:path>
+            </a:pathLst>
+          </a:custGeom>
+        </p:spPr>
+      </p:sp>
+    </p:spTree>
+    <p:extLst>
+      <p:ext uri="{BB962C8B-B14F-4D97-AF65-F5344CB8AC3E}">
+        <p14:creationId xmlns:p14="http://schemas.microsoft.com/office/powerpoint/2010/main" val="1187678226"/>
+      </p:ext>
+    </p:extLst>
+  </p:cSld>
+  <p:clrMapOvr>
+    <a:masterClrMapping/>
+  </p:clrMapOvr>
+</p:notes>
+</file>
+
+<file path=ppt/notesSlides/notesSlide7.xml><?xml version="1.0" encoding="utf-8"?>
+<p:notes xmlns:a="http://schemas.openxmlformats.org/drawingml/2006/main" xmlns:r="http://schemas.openxmlformats.org/officeDocument/2006/relationships" xmlns:p="http://schemas.openxmlformats.org/presentationml/2006/main" showMasterSp="0" showMasterPhAnim="0">
+  <p:cSld>
+    <p:spTree>
+      <p:nvGrpSpPr>
+        <p:cNvPr id="1" name="Shape 180"/>
+        <p:cNvGrpSpPr/>
+        <p:nvPr/>
+      </p:nvGrpSpPr>
+      <p:grpSpPr>
+        <a:xfrm>
+          <a:off x="0" y="0"/>
+          <a:ext cx="0" cy="0"/>
+          <a:chOff x="0" y="0"/>
+          <a:chExt cx="0" cy="0"/>
+        </a:xfrm>
+      </p:grpSpPr>
+      <p:sp>
+        <p:nvSpPr>
+          <p:cNvPr id="181" name="Shape 181"/>
+          <p:cNvSpPr txBox="1">
+            <a:spLocks noGrp="1"/>
+          </p:cNvSpPr>
+          <p:nvPr>
+            <p:ph type="body" idx="1"/>
+          </p:nvPr>
+        </p:nvSpPr>
+        <p:spPr>
+          <a:xfrm>
+            <a:off x="685800" y="4400550"/>
+            <a:ext cx="5486400" cy="3600450"/>
+          </a:xfrm>
+          <a:prstGeom prst="rect">
+            <a:avLst/>
+          </a:prstGeom>
+          <a:noFill/>
+          <a:ln>
+            <a:noFill/>
+          </a:ln>
+        </p:spPr>
+        <p:txBody>
+          <a:bodyPr wrap="square" lIns="91425" tIns="91425" rIns="91425" bIns="91425" anchor="ctr" anchorCtr="0">
+            <a:noAutofit/>
+          </a:bodyPr>
+          <a:lstStyle/>
+          <a:p>
+            <a:pPr lvl="0">
+              <a:spcBef>
+                <a:spcPts val="0"/>
+              </a:spcBef>
+              <a:buNone/>
+            </a:pPr>
+            <a:endParaRPr/>
+          </a:p>
+        </p:txBody>
+      </p:sp>
+      <p:sp>
+        <p:nvSpPr>
+          <p:cNvPr id="182" name="Shape 182"/>
+          <p:cNvSpPr>
+            <a:spLocks noGrp="1" noRot="1" noChangeAspect="1"/>
+          </p:cNvSpPr>
+          <p:nvPr>
+            <p:ph type="sldImg" idx="2"/>
+          </p:nvPr>
+        </p:nvSpPr>
+        <p:spPr>
+          <a:xfrm>
+            <a:off x="685800" y="1143000"/>
+            <a:ext cx="5486400" cy="3086100"/>
+          </a:xfrm>
+          <a:custGeom>
+            <a:avLst/>
+            <a:gdLst/>
+            <a:ahLst/>
+            <a:cxnLst/>
+            <a:rect l="0" t="0" r="0" b="0"/>
+            <a:pathLst>
+              <a:path w="120000" h="120000" extrusionOk="0">
+                <a:moveTo>
+                  <a:pt x="0" y="0"/>
+                </a:moveTo>
+                <a:lnTo>
+                  <a:pt x="120000" y="0"/>
+                </a:lnTo>
+                <a:lnTo>
+                  <a:pt x="120000" y="120000"/>
+                </a:lnTo>
+                <a:lnTo>
+                  <a:pt x="0" y="120000"/>
+                </a:lnTo>
+                <a:close/>
+              </a:path>
+            </a:pathLst>
+          </a:custGeom>
+        </p:spPr>
+      </p:sp>
+    </p:spTree>
+    <p:extLst>
+      <p:ext uri="{BB962C8B-B14F-4D97-AF65-F5344CB8AC3E}">
+        <p14:creationId xmlns:p14="http://schemas.microsoft.com/office/powerpoint/2010/main" val="2216848105"/>
+      </p:ext>
+    </p:extLst>
+  </p:cSld>
+  <p:clrMapOvr>
+    <a:masterClrMapping/>
+  </p:clrMapOvr>
+</p:notes>
+</file>
+
+<file path=ppt/notesSlides/notesSlide8.xml><?xml version="1.0" encoding="utf-8"?>
+<p:notes xmlns:a="http://schemas.openxmlformats.org/drawingml/2006/main" xmlns:r="http://schemas.openxmlformats.org/officeDocument/2006/relationships" xmlns:p="http://schemas.openxmlformats.org/presentationml/2006/main" showMasterSp="0" showMasterPhAnim="0">
+  <p:cSld>
+    <p:spTree>
+      <p:nvGrpSpPr>
+        <p:cNvPr id="1" name="Shape 180"/>
+        <p:cNvGrpSpPr/>
+        <p:nvPr/>
+      </p:nvGrpSpPr>
+      <p:grpSpPr>
+        <a:xfrm>
+          <a:off x="0" y="0"/>
+          <a:ext cx="0" cy="0"/>
+          <a:chOff x="0" y="0"/>
+          <a:chExt cx="0" cy="0"/>
+        </a:xfrm>
+      </p:grpSpPr>
+      <p:sp>
+        <p:nvSpPr>
+          <p:cNvPr id="181" name="Shape 181"/>
+          <p:cNvSpPr txBox="1">
+            <a:spLocks noGrp="1"/>
+          </p:cNvSpPr>
+          <p:nvPr>
+            <p:ph type="body" idx="1"/>
+          </p:nvPr>
+        </p:nvSpPr>
+        <p:spPr>
+          <a:xfrm>
+            <a:off x="685800" y="4400550"/>
+            <a:ext cx="5486400" cy="3600450"/>
+          </a:xfrm>
+          <a:prstGeom prst="rect">
+            <a:avLst/>
+          </a:prstGeom>
+          <a:noFill/>
+          <a:ln>
+            <a:noFill/>
+          </a:ln>
+        </p:spPr>
+        <p:txBody>
+          <a:bodyPr wrap="square" lIns="91425" tIns="91425" rIns="91425" bIns="91425" anchor="ctr" anchorCtr="0">
+            <a:noAutofit/>
+          </a:bodyPr>
+          <a:lstStyle/>
+          <a:p>
+            <a:pPr lvl="0">
+              <a:spcBef>
+                <a:spcPts val="0"/>
+              </a:spcBef>
+              <a:buNone/>
+            </a:pPr>
+            <a:endParaRPr/>
+          </a:p>
+        </p:txBody>
+      </p:sp>
+      <p:sp>
+        <p:nvSpPr>
+          <p:cNvPr id="182" name="Shape 182"/>
+          <p:cNvSpPr>
+            <a:spLocks noGrp="1" noRot="1" noChangeAspect="1"/>
+          </p:cNvSpPr>
+          <p:nvPr>
+            <p:ph type="sldImg" idx="2"/>
+          </p:nvPr>
+        </p:nvSpPr>
+        <p:spPr>
+          <a:xfrm>
+            <a:off x="685800" y="1143000"/>
+            <a:ext cx="5486400" cy="3086100"/>
+          </a:xfrm>
+          <a:custGeom>
+            <a:avLst/>
+            <a:gdLst/>
+            <a:ahLst/>
+            <a:cxnLst/>
+            <a:rect l="0" t="0" r="0" b="0"/>
+            <a:pathLst>
+              <a:path w="120000" h="120000" extrusionOk="0">
+                <a:moveTo>
+                  <a:pt x="0" y="0"/>
+                </a:moveTo>
+                <a:lnTo>
+                  <a:pt x="120000" y="0"/>
+                </a:lnTo>
+                <a:lnTo>
+                  <a:pt x="120000" y="120000"/>
+                </a:lnTo>
+                <a:lnTo>
+                  <a:pt x="0" y="120000"/>
+                </a:lnTo>
+                <a:close/>
+              </a:path>
+            </a:pathLst>
+          </a:custGeom>
+        </p:spPr>
+      </p:sp>
+    </p:spTree>
+    <p:extLst>
+      <p:ext uri="{BB962C8B-B14F-4D97-AF65-F5344CB8AC3E}">
+        <p14:creationId xmlns:p14="http://schemas.microsoft.com/office/powerpoint/2010/main" val="1386926283"/>
+      </p:ext>
+    </p:extLst>
+  </p:cSld>
+  <p:clrMapOvr>
+    <a:masterClrMapping/>
+  </p:clrMapOvr>
+</p:notes>
+</file>
+
+<file path=ppt/notesSlides/notesSlide9.xml><?xml version="1.0" encoding="utf-8"?>
+<p:notes xmlns:a="http://schemas.openxmlformats.org/drawingml/2006/main" xmlns:r="http://schemas.openxmlformats.org/officeDocument/2006/relationships" xmlns:p="http://schemas.openxmlformats.org/presentationml/2006/main" showMasterSp="0" showMasterPhAnim="0">
+  <p:cSld>
+    <p:spTree>
+      <p:nvGrpSpPr>
+        <p:cNvPr id="1" name="Shape 180"/>
+        <p:cNvGrpSpPr/>
+        <p:nvPr/>
+      </p:nvGrpSpPr>
+      <p:grpSpPr>
+        <a:xfrm>
+          <a:off x="0" y="0"/>
+          <a:ext cx="0" cy="0"/>
+          <a:chOff x="0" y="0"/>
+          <a:chExt cx="0" cy="0"/>
+        </a:xfrm>
+      </p:grpSpPr>
+      <p:sp>
+        <p:nvSpPr>
+          <p:cNvPr id="181" name="Shape 181"/>
+          <p:cNvSpPr txBox="1">
+            <a:spLocks noGrp="1"/>
+          </p:cNvSpPr>
+          <p:nvPr>
+            <p:ph type="body" idx="1"/>
+          </p:nvPr>
+        </p:nvSpPr>
+        <p:spPr>
+          <a:xfrm>
+            <a:off x="685800" y="4400550"/>
+            <a:ext cx="5486400" cy="3600450"/>
+          </a:xfrm>
+          <a:prstGeom prst="rect">
+            <a:avLst/>
+          </a:prstGeom>
+          <a:noFill/>
+          <a:ln>
+            <a:noFill/>
+          </a:ln>
+        </p:spPr>
+        <p:txBody>
+          <a:bodyPr wrap="square" lIns="91425" tIns="91425" rIns="91425" bIns="91425" anchor="ctr" anchorCtr="0">
+            <a:noAutofit/>
+          </a:bodyPr>
+          <a:lstStyle/>
+          <a:p>
+            <a:pPr lvl="0">
+              <a:spcBef>
+                <a:spcPts val="0"/>
+              </a:spcBef>
+              <a:buNone/>
+            </a:pPr>
+            <a:endParaRPr/>
+          </a:p>
+        </p:txBody>
+      </p:sp>
+      <p:sp>
+        <p:nvSpPr>
+          <p:cNvPr id="182" name="Shape 182"/>
+          <p:cNvSpPr>
+            <a:spLocks noGrp="1" noRot="1" noChangeAspect="1"/>
+          </p:cNvSpPr>
+          <p:nvPr>
+            <p:ph type="sldImg" idx="2"/>
+          </p:nvPr>
+        </p:nvSpPr>
+        <p:spPr>
+          <a:xfrm>
+            <a:off x="685800" y="1143000"/>
+            <a:ext cx="5486400" cy="3086100"/>
+          </a:xfrm>
+          <a:custGeom>
+            <a:avLst/>
+            <a:gdLst/>
+            <a:ahLst/>
+            <a:cxnLst/>
+            <a:rect l="0" t="0" r="0" b="0"/>
+            <a:pathLst>
+              <a:path w="120000" h="120000" extrusionOk="0">
+                <a:moveTo>
+                  <a:pt x="0" y="0"/>
+                </a:moveTo>
+                <a:lnTo>
+                  <a:pt x="120000" y="0"/>
+                </a:lnTo>
+                <a:lnTo>
+                  <a:pt x="120000" y="120000"/>
+                </a:lnTo>
+                <a:lnTo>
+                  <a:pt x="0" y="120000"/>
+                </a:lnTo>
+                <a:close/>
+              </a:path>
+            </a:pathLst>
+          </a:custGeom>
+        </p:spPr>
+      </p:sp>
+    </p:spTree>
+    <p:extLst>
+      <p:ext uri="{BB962C8B-B14F-4D97-AF65-F5344CB8AC3E}">
+        <p14:creationId xmlns:p14="http://schemas.microsoft.com/office/powerpoint/2010/main" val="2078039672"/>
+      </p:ext>
+    </p:extLst>
   </p:cSld>
   <p:clrMapOvr>
     <a:masterClrMapping/>
@@ -13922,134 +14815,12 @@
           <a:chExt cx="0" cy="0"/>
         </a:xfrm>
       </p:grpSpPr>
-      <p:sp>
-        <p:nvSpPr>
-          <p:cNvPr id="138" name="Shape 138"/>
-          <p:cNvSpPr txBox="1">
-            <a:spLocks noGrp="1"/>
-          </p:cNvSpPr>
-          <p:nvPr>
-            <p:ph type="ctrTitle" idx="4294967295"/>
-          </p:nvPr>
-        </p:nvSpPr>
-        <p:spPr>
-          <a:xfrm>
-            <a:off x="685800" y="3143081"/>
-            <a:ext cx="6375000" cy="1159800"/>
-          </a:xfrm>
-          <a:prstGeom prst="rect">
-            <a:avLst/>
-          </a:prstGeom>
-          <a:noFill/>
-          <a:ln>
-            <a:noFill/>
-          </a:ln>
-        </p:spPr>
-        <p:txBody>
-          <a:bodyPr wrap="square" lIns="91425" tIns="91425" rIns="91425" bIns="91425" anchor="t" anchorCtr="0">
-            <a:noAutofit/>
-          </a:bodyPr>
-          <a:lstStyle/>
-          <a:p>
-            <a:pPr marL="0" marR="0" lvl="0" indent="0" algn="l" rtl="0">
-              <a:lnSpc>
-                <a:spcPct val="100000"/>
-              </a:lnSpc>
-              <a:spcBef>
-                <a:spcPts val="0"/>
-              </a:spcBef>
-              <a:spcAft>
-                <a:spcPts val="0"/>
-              </a:spcAft>
-              <a:buClr>
-                <a:schemeClr val="lt1"/>
-              </a:buClr>
-              <a:buSzPct val="25000"/>
-              <a:buFont typeface="Raleway"/>
-              <a:buNone/>
-            </a:pPr>
-            <a:r>
-              <a:rPr lang="en-GB" sz="3600"/>
-              <a:t>IS434 Social Analytics </a:t>
-            </a:r>
-          </a:p>
-          <a:p>
-            <a:pPr marL="0" marR="0" lvl="0" indent="0" algn="l" rtl="0">
-              <a:lnSpc>
-                <a:spcPct val="100000"/>
-              </a:lnSpc>
-              <a:spcBef>
-                <a:spcPts val="0"/>
-              </a:spcBef>
-              <a:spcAft>
-                <a:spcPts val="0"/>
-              </a:spcAft>
-              <a:buClr>
-                <a:schemeClr val="lt1"/>
-              </a:buClr>
-              <a:buSzPct val="25000"/>
-              <a:buFont typeface="Raleway"/>
-              <a:buNone/>
-            </a:pPr>
-            <a:r>
-              <a:rPr lang="en-GB" sz="3600"/>
-              <a:t>Group 1</a:t>
-            </a:r>
-          </a:p>
-        </p:txBody>
-      </p:sp>
-      <p:sp>
-        <p:nvSpPr>
-          <p:cNvPr id="139" name="Shape 139"/>
-          <p:cNvSpPr txBox="1"/>
-          <p:nvPr/>
-        </p:nvSpPr>
-        <p:spPr>
-          <a:xfrm>
-            <a:off x="804775" y="4408725"/>
-            <a:ext cx="5750100" cy="466500"/>
-          </a:xfrm>
-          <a:prstGeom prst="rect">
-            <a:avLst/>
-          </a:prstGeom>
-          <a:noFill/>
-          <a:ln>
-            <a:noFill/>
-          </a:ln>
-        </p:spPr>
-        <p:txBody>
-          <a:bodyPr wrap="square" lIns="91425" tIns="91425" rIns="91425" bIns="91425" anchor="t" anchorCtr="0">
-            <a:noAutofit/>
-          </a:bodyPr>
-          <a:lstStyle/>
-          <a:p>
-            <a:pPr lvl="0" rtl="0">
-              <a:spcBef>
-                <a:spcPts val="0"/>
-              </a:spcBef>
-              <a:buNone/>
-            </a:pPr>
-            <a:r>
-              <a:rPr lang="en-GB">
-                <a:solidFill>
-                  <a:srgbClr val="353535"/>
-                </a:solidFill>
-                <a:latin typeface="Raleway"/>
-                <a:ea typeface="Raleway"/>
-                <a:cs typeface="Raleway"/>
-                <a:sym typeface="Raleway"/>
-              </a:rPr>
-              <a:t>Done by: Chia Hui Min, Koh Wei De John, Lee Qixian, Lee Weng Ho Mervyn &amp; Ong Ming Hao</a:t>
-            </a:r>
-          </a:p>
-        </p:txBody>
-      </p:sp>
       <p:pic>
         <p:nvPicPr>
-          <p:cNvPr id="3" name="Picture 2">
+          <p:cNvPr id="4" name="Picture 3">
             <a:extLst>
               <a:ext uri="{FF2B5EF4-FFF2-40B4-BE49-F238E27FC236}">
-                <a16:creationId xmlns:a16="http://schemas.microsoft.com/office/drawing/2014/main" id="{B43D6A11-BC76-4E3F-94F2-5F2D59593657}"/>
+                <a16:creationId xmlns:a16="http://schemas.microsoft.com/office/drawing/2014/main" id="{E58CFC18-F47D-4FAB-8DFE-FA13F1CD16E6}"/>
               </a:ext>
             </a:extLst>
           </p:cNvPr>
@@ -14075,6 +14846,668 @@
         </p:spPr>
       </p:pic>
     </p:spTree>
+  </p:cSld>
+  <p:clrMapOvr>
+    <a:masterClrMapping/>
+  </p:clrMapOvr>
+  <mc:AlternateContent xmlns:mc="http://schemas.openxmlformats.org/markup-compatibility/2006" xmlns:p14="http://schemas.microsoft.com/office/powerpoint/2010/main">
+    <mc:Choice Requires="p14">
+      <p:transition spd="med" p14:dur="700">
+        <p:fade/>
+      </p:transition>
+    </mc:Choice>
+    <mc:Fallback xmlns="">
+      <p:transition spd="med">
+        <p:fade/>
+      </p:transition>
+    </mc:Fallback>
+  </mc:AlternateContent>
+</p:sld>
+</file>
+
+<file path=ppt/slides/slide10.xml><?xml version="1.0" encoding="utf-8"?>
+<p:sld xmlns:a="http://schemas.openxmlformats.org/drawingml/2006/main" xmlns:r="http://schemas.openxmlformats.org/officeDocument/2006/relationships" xmlns:p="http://schemas.openxmlformats.org/presentationml/2006/main">
+  <p:cSld>
+    <p:spTree>
+      <p:nvGrpSpPr>
+        <p:cNvPr id="1" name="Shape 183"/>
+        <p:cNvGrpSpPr/>
+        <p:nvPr/>
+      </p:nvGrpSpPr>
+      <p:grpSpPr>
+        <a:xfrm>
+          <a:off x="0" y="0"/>
+          <a:ext cx="0" cy="0"/>
+          <a:chOff x="0" y="0"/>
+          <a:chExt cx="0" cy="0"/>
+        </a:xfrm>
+      </p:grpSpPr>
+      <p:sp>
+        <p:nvSpPr>
+          <p:cNvPr id="184" name="Shape 184"/>
+          <p:cNvSpPr txBox="1"/>
+          <p:nvPr/>
+        </p:nvSpPr>
+        <p:spPr>
+          <a:xfrm>
+            <a:off x="817836" y="419470"/>
+            <a:ext cx="8326164" cy="438581"/>
+          </a:xfrm>
+          <a:prstGeom prst="rect">
+            <a:avLst/>
+          </a:prstGeom>
+          <a:noFill/>
+          <a:ln>
+            <a:noFill/>
+          </a:ln>
+        </p:spPr>
+        <p:txBody>
+          <a:bodyPr wrap="square" lIns="68575" tIns="34275" rIns="68575" bIns="34275" anchor="t" anchorCtr="0">
+            <a:noAutofit/>
+          </a:bodyPr>
+          <a:lstStyle/>
+          <a:p>
+            <a:pPr marL="0" marR="0" lvl="0" indent="0" algn="l" rtl="0">
+              <a:spcBef>
+                <a:spcPts val="0"/>
+              </a:spcBef>
+              <a:buSzPct val="25000"/>
+              <a:buNone/>
+            </a:pPr>
+            <a:r>
+              <a:rPr lang="en-GB" sz="2400" b="1" spc="300" dirty="0">
+                <a:solidFill>
+                  <a:schemeClr val="dk1"/>
+                </a:solidFill>
+                <a:latin typeface="Montserrat"/>
+                <a:ea typeface="Montserrat"/>
+                <a:cs typeface="Montserrat"/>
+                <a:sym typeface="Montserrat"/>
+              </a:rPr>
+              <a:t>PROVIDE FEEDBACK</a:t>
+            </a:r>
+          </a:p>
+        </p:txBody>
+      </p:sp>
+      <p:sp>
+        <p:nvSpPr>
+          <p:cNvPr id="185" name="Shape 185"/>
+          <p:cNvSpPr txBox="1"/>
+          <p:nvPr/>
+        </p:nvSpPr>
+        <p:spPr>
+          <a:xfrm>
+            <a:off x="817836" y="823426"/>
+            <a:ext cx="8270985" cy="253916"/>
+          </a:xfrm>
+          <a:prstGeom prst="rect">
+            <a:avLst/>
+          </a:prstGeom>
+          <a:noFill/>
+          <a:ln>
+            <a:noFill/>
+          </a:ln>
+        </p:spPr>
+        <p:txBody>
+          <a:bodyPr wrap="square" lIns="68575" tIns="34275" rIns="68575" bIns="34275" anchor="t" anchorCtr="0">
+            <a:noAutofit/>
+          </a:bodyPr>
+          <a:lstStyle/>
+          <a:p>
+            <a:pPr lvl="0">
+              <a:buSzPct val="25000"/>
+            </a:pPr>
+            <a:r>
+              <a:rPr lang="en-GB" sz="1200" b="1" spc="300" dirty="0">
+                <a:solidFill>
+                  <a:srgbClr val="01D589"/>
+                </a:solidFill>
+                <a:latin typeface="Montserrat"/>
+                <a:ea typeface="Montserrat"/>
+                <a:cs typeface="Montserrat"/>
+                <a:sym typeface="Montserrat"/>
+              </a:rPr>
+              <a:t>NEWTON’S THIRD LAW</a:t>
+            </a:r>
+            <a:endParaRPr lang="en-GB" sz="1200" b="1" spc="300" dirty="0">
+              <a:solidFill>
+                <a:srgbClr val="01D589"/>
+              </a:solidFill>
+              <a:latin typeface="Montserrat"/>
+              <a:sym typeface="Montserrat"/>
+            </a:endParaRPr>
+          </a:p>
+        </p:txBody>
+      </p:sp>
+      <p:sp>
+        <p:nvSpPr>
+          <p:cNvPr id="186" name="Shape 186"/>
+          <p:cNvSpPr txBox="1"/>
+          <p:nvPr/>
+        </p:nvSpPr>
+        <p:spPr>
+          <a:xfrm>
+            <a:off x="817838" y="1220976"/>
+            <a:ext cx="7963555" cy="3462486"/>
+          </a:xfrm>
+          <a:prstGeom prst="rect">
+            <a:avLst/>
+          </a:prstGeom>
+          <a:noFill/>
+          <a:ln>
+            <a:noFill/>
+          </a:ln>
+        </p:spPr>
+        <p:txBody>
+          <a:bodyPr wrap="square" lIns="68575" tIns="34275" rIns="68575" bIns="34275" anchor="t" anchorCtr="0">
+            <a:noAutofit/>
+          </a:bodyPr>
+          <a:lstStyle/>
+          <a:p>
+            <a:pPr lvl="0">
+              <a:lnSpc>
+                <a:spcPct val="150000"/>
+              </a:lnSpc>
+              <a:buClr>
+                <a:schemeClr val="dk1"/>
+              </a:buClr>
+              <a:buSzPct val="100000"/>
+            </a:pPr>
+            <a:r>
+              <a:rPr lang="en-GB" sz="1800" dirty="0">
+                <a:solidFill>
+                  <a:schemeClr val="dk1"/>
+                </a:solidFill>
+                <a:latin typeface="Montserrat"/>
+                <a:ea typeface="Montserrat"/>
+                <a:cs typeface="Montserrat"/>
+                <a:sym typeface="Montserrat"/>
+              </a:rPr>
+              <a:t>I can create a web crawler for twitter + I can do the cleaning. i.e. removal of any biasness, spell checker, remove stop words, etc. </a:t>
+            </a:r>
+          </a:p>
+          <a:p>
+            <a:pPr lvl="0">
+              <a:lnSpc>
+                <a:spcPct val="150000"/>
+              </a:lnSpc>
+              <a:buClr>
+                <a:schemeClr val="dk1"/>
+              </a:buClr>
+              <a:buSzPct val="100000"/>
+            </a:pPr>
+            <a:endParaRPr lang="en-GB" sz="1800" dirty="0">
+              <a:solidFill>
+                <a:schemeClr val="dk1"/>
+              </a:solidFill>
+              <a:latin typeface="Montserrat"/>
+              <a:ea typeface="Montserrat"/>
+              <a:cs typeface="Montserrat"/>
+              <a:sym typeface="Montserrat"/>
+            </a:endParaRPr>
+          </a:p>
+          <a:p>
+            <a:pPr lvl="0">
+              <a:lnSpc>
+                <a:spcPct val="150000"/>
+              </a:lnSpc>
+              <a:buClr>
+                <a:schemeClr val="dk1"/>
+              </a:buClr>
+              <a:buSzPct val="100000"/>
+            </a:pPr>
+            <a:endParaRPr lang="en-GB" sz="1800" dirty="0">
+              <a:solidFill>
+                <a:schemeClr val="dk1"/>
+              </a:solidFill>
+              <a:latin typeface="Montserrat"/>
+              <a:ea typeface="Montserrat"/>
+              <a:cs typeface="Montserrat"/>
+              <a:sym typeface="Montserrat"/>
+            </a:endParaRPr>
+          </a:p>
+          <a:p>
+            <a:pPr lvl="0">
+              <a:lnSpc>
+                <a:spcPct val="150000"/>
+              </a:lnSpc>
+              <a:buClr>
+                <a:schemeClr val="dk1"/>
+              </a:buClr>
+              <a:buSzPct val="100000"/>
+            </a:pPr>
+            <a:endParaRPr lang="en-GB" sz="1800" dirty="0">
+              <a:solidFill>
+                <a:schemeClr val="dk1"/>
+              </a:solidFill>
+              <a:latin typeface="Montserrat"/>
+              <a:ea typeface="Montserrat"/>
+              <a:cs typeface="Montserrat"/>
+              <a:sym typeface="Montserrat"/>
+            </a:endParaRPr>
+          </a:p>
+          <a:p>
+            <a:pPr lvl="0">
+              <a:lnSpc>
+                <a:spcPct val="150000"/>
+              </a:lnSpc>
+              <a:buClr>
+                <a:schemeClr val="dk1"/>
+              </a:buClr>
+              <a:buSzPct val="100000"/>
+            </a:pPr>
+            <a:endParaRPr lang="en-GB" sz="1800" dirty="0">
+              <a:solidFill>
+                <a:schemeClr val="dk1"/>
+              </a:solidFill>
+              <a:latin typeface="Montserrat"/>
+              <a:ea typeface="Montserrat"/>
+              <a:cs typeface="Montserrat"/>
+              <a:sym typeface="Montserrat"/>
+            </a:endParaRPr>
+          </a:p>
+          <a:p>
+            <a:pPr lvl="0">
+              <a:lnSpc>
+                <a:spcPct val="150000"/>
+              </a:lnSpc>
+              <a:buClr>
+                <a:schemeClr val="dk1"/>
+              </a:buClr>
+              <a:buSzPct val="100000"/>
+            </a:pPr>
+            <a:endParaRPr lang="en-GB" sz="1800" dirty="0">
+              <a:solidFill>
+                <a:schemeClr val="dk1"/>
+              </a:solidFill>
+              <a:latin typeface="Montserrat"/>
+              <a:ea typeface="Montserrat"/>
+              <a:cs typeface="Montserrat"/>
+              <a:sym typeface="Montserrat"/>
+            </a:endParaRPr>
+          </a:p>
+          <a:p>
+            <a:pPr lvl="0">
+              <a:lnSpc>
+                <a:spcPct val="150000"/>
+              </a:lnSpc>
+              <a:buClr>
+                <a:schemeClr val="dk1"/>
+              </a:buClr>
+              <a:buSzPct val="100000"/>
+            </a:pPr>
+            <a:endParaRPr lang="en-GB" sz="1800" dirty="0">
+              <a:solidFill>
+                <a:schemeClr val="dk1"/>
+              </a:solidFill>
+              <a:latin typeface="Montserrat"/>
+              <a:ea typeface="Montserrat"/>
+              <a:cs typeface="Montserrat"/>
+              <a:sym typeface="Montserrat"/>
+            </a:endParaRPr>
+          </a:p>
+          <a:p>
+            <a:pPr lvl="0">
+              <a:lnSpc>
+                <a:spcPct val="150000"/>
+              </a:lnSpc>
+              <a:buClr>
+                <a:schemeClr val="dk1"/>
+              </a:buClr>
+              <a:buSzPct val="100000"/>
+            </a:pPr>
+            <a:r>
+              <a:rPr lang="en-GB" sz="1800" dirty="0">
+                <a:solidFill>
+                  <a:schemeClr val="dk1"/>
+                </a:solidFill>
+                <a:latin typeface="Montserrat"/>
+                <a:ea typeface="Montserrat"/>
+                <a:cs typeface="Montserrat"/>
+                <a:sym typeface="Montserrat"/>
+              </a:rPr>
+              <a:t>* What to crawl?</a:t>
+            </a:r>
+          </a:p>
+        </p:txBody>
+      </p:sp>
+    </p:spTree>
+    <p:extLst>
+      <p:ext uri="{BB962C8B-B14F-4D97-AF65-F5344CB8AC3E}">
+        <p14:creationId xmlns:p14="http://schemas.microsoft.com/office/powerpoint/2010/main" val="709628074"/>
+      </p:ext>
+    </p:extLst>
+  </p:cSld>
+  <p:clrMapOvr>
+    <a:masterClrMapping/>
+  </p:clrMapOvr>
+  <mc:AlternateContent xmlns:mc="http://schemas.openxmlformats.org/markup-compatibility/2006" xmlns:p14="http://schemas.microsoft.com/office/powerpoint/2010/main">
+    <mc:Choice Requires="p14">
+      <p:transition spd="med" p14:dur="700">
+        <p:fade/>
+      </p:transition>
+    </mc:Choice>
+    <mc:Fallback xmlns="">
+      <p:transition spd="med">
+        <p:fade/>
+      </p:transition>
+    </mc:Fallback>
+  </mc:AlternateContent>
+</p:sld>
+</file>
+
+<file path=ppt/slides/slide11.xml><?xml version="1.0" encoding="utf-8"?>
+<p:sld xmlns:a="http://schemas.openxmlformats.org/drawingml/2006/main" xmlns:r="http://schemas.openxmlformats.org/officeDocument/2006/relationships" xmlns:p="http://schemas.openxmlformats.org/presentationml/2006/main">
+  <p:cSld>
+    <p:spTree>
+      <p:nvGrpSpPr>
+        <p:cNvPr id="1" name="Shape 183"/>
+        <p:cNvGrpSpPr/>
+        <p:nvPr/>
+      </p:nvGrpSpPr>
+      <p:grpSpPr>
+        <a:xfrm>
+          <a:off x="0" y="0"/>
+          <a:ext cx="0" cy="0"/>
+          <a:chOff x="0" y="0"/>
+          <a:chExt cx="0" cy="0"/>
+        </a:xfrm>
+      </p:grpSpPr>
+      <p:sp>
+        <p:nvSpPr>
+          <p:cNvPr id="184" name="Shape 184"/>
+          <p:cNvSpPr txBox="1"/>
+          <p:nvPr/>
+        </p:nvSpPr>
+        <p:spPr>
+          <a:xfrm>
+            <a:off x="817836" y="419470"/>
+            <a:ext cx="8326164" cy="438581"/>
+          </a:xfrm>
+          <a:prstGeom prst="rect">
+            <a:avLst/>
+          </a:prstGeom>
+          <a:noFill/>
+          <a:ln>
+            <a:noFill/>
+          </a:ln>
+        </p:spPr>
+        <p:txBody>
+          <a:bodyPr wrap="square" lIns="68575" tIns="34275" rIns="68575" bIns="34275" anchor="t" anchorCtr="0">
+            <a:noAutofit/>
+          </a:bodyPr>
+          <a:lstStyle/>
+          <a:p>
+            <a:pPr marL="0" marR="0" lvl="0" indent="0" algn="l" rtl="0">
+              <a:spcBef>
+                <a:spcPts val="0"/>
+              </a:spcBef>
+              <a:buSzPct val="25000"/>
+              <a:buNone/>
+            </a:pPr>
+            <a:r>
+              <a:rPr lang="en-GB" sz="2400" b="1" spc="300" dirty="0">
+                <a:solidFill>
+                  <a:schemeClr val="dk1"/>
+                </a:solidFill>
+                <a:latin typeface="Montserrat"/>
+                <a:ea typeface="Montserrat"/>
+                <a:cs typeface="Montserrat"/>
+                <a:sym typeface="Montserrat"/>
+              </a:rPr>
+              <a:t>PARETO PRINCIPLE</a:t>
+            </a:r>
+          </a:p>
+        </p:txBody>
+      </p:sp>
+      <p:sp>
+        <p:nvSpPr>
+          <p:cNvPr id="185" name="Shape 185"/>
+          <p:cNvSpPr txBox="1"/>
+          <p:nvPr/>
+        </p:nvSpPr>
+        <p:spPr>
+          <a:xfrm>
+            <a:off x="817836" y="823426"/>
+            <a:ext cx="8270985" cy="253916"/>
+          </a:xfrm>
+          <a:prstGeom prst="rect">
+            <a:avLst/>
+          </a:prstGeom>
+          <a:noFill/>
+          <a:ln>
+            <a:noFill/>
+          </a:ln>
+        </p:spPr>
+        <p:txBody>
+          <a:bodyPr wrap="square" lIns="68575" tIns="34275" rIns="68575" bIns="34275" anchor="t" anchorCtr="0">
+            <a:noAutofit/>
+          </a:bodyPr>
+          <a:lstStyle/>
+          <a:p>
+            <a:pPr lvl="0">
+              <a:buSzPct val="25000"/>
+            </a:pPr>
+            <a:r>
+              <a:rPr lang="en-GB" sz="1200" b="1" spc="300" dirty="0">
+                <a:solidFill>
+                  <a:srgbClr val="01D589"/>
+                </a:solidFill>
+                <a:latin typeface="Montserrat"/>
+                <a:ea typeface="Montserrat"/>
+                <a:cs typeface="Montserrat"/>
+                <a:sym typeface="Montserrat"/>
+              </a:rPr>
+              <a:t>THE 80-20 PRINCIPLE</a:t>
+            </a:r>
+            <a:endParaRPr lang="en-GB" sz="1200" b="1" spc="300" dirty="0">
+              <a:solidFill>
+                <a:srgbClr val="01D589"/>
+              </a:solidFill>
+              <a:latin typeface="Montserrat"/>
+              <a:sym typeface="Montserrat"/>
+            </a:endParaRPr>
+          </a:p>
+        </p:txBody>
+      </p:sp>
+      <p:sp>
+        <p:nvSpPr>
+          <p:cNvPr id="186" name="Shape 186"/>
+          <p:cNvSpPr txBox="1"/>
+          <p:nvPr/>
+        </p:nvSpPr>
+        <p:spPr>
+          <a:xfrm>
+            <a:off x="817838" y="1220976"/>
+            <a:ext cx="7963555" cy="3462486"/>
+          </a:xfrm>
+          <a:prstGeom prst="rect">
+            <a:avLst/>
+          </a:prstGeom>
+          <a:noFill/>
+          <a:ln>
+            <a:noFill/>
+          </a:ln>
+        </p:spPr>
+        <p:txBody>
+          <a:bodyPr wrap="square" lIns="68575" tIns="34275" rIns="68575" bIns="34275" anchor="t" anchorCtr="0">
+            <a:noAutofit/>
+          </a:bodyPr>
+          <a:lstStyle/>
+          <a:p>
+            <a:pPr lvl="0">
+              <a:lnSpc>
+                <a:spcPct val="150000"/>
+              </a:lnSpc>
+              <a:buClr>
+                <a:schemeClr val="dk1"/>
+              </a:buClr>
+              <a:buSzPct val="100000"/>
+            </a:pPr>
+            <a:r>
+              <a:rPr lang="en-GB" sz="1800" dirty="0">
+                <a:solidFill>
+                  <a:schemeClr val="dk1"/>
+                </a:solidFill>
+                <a:latin typeface="Montserrat"/>
+                <a:ea typeface="Montserrat"/>
+                <a:cs typeface="Montserrat"/>
+                <a:sym typeface="Montserrat"/>
+              </a:rPr>
+              <a:t>I can create a web crawler for twitter + I can do the cleaning. i.e. removal of any biasness, spell checker, remove stop words, etc. </a:t>
+            </a:r>
+          </a:p>
+          <a:p>
+            <a:pPr lvl="0">
+              <a:lnSpc>
+                <a:spcPct val="150000"/>
+              </a:lnSpc>
+              <a:buClr>
+                <a:schemeClr val="dk1"/>
+              </a:buClr>
+              <a:buSzPct val="100000"/>
+            </a:pPr>
+            <a:endParaRPr lang="en-GB" sz="1800" dirty="0">
+              <a:solidFill>
+                <a:schemeClr val="dk1"/>
+              </a:solidFill>
+              <a:latin typeface="Montserrat"/>
+              <a:ea typeface="Montserrat"/>
+              <a:cs typeface="Montserrat"/>
+              <a:sym typeface="Montserrat"/>
+            </a:endParaRPr>
+          </a:p>
+          <a:p>
+            <a:pPr lvl="0">
+              <a:lnSpc>
+                <a:spcPct val="150000"/>
+              </a:lnSpc>
+              <a:buClr>
+                <a:schemeClr val="dk1"/>
+              </a:buClr>
+              <a:buSzPct val="100000"/>
+            </a:pPr>
+            <a:endParaRPr lang="en-GB" sz="1800" dirty="0">
+              <a:solidFill>
+                <a:schemeClr val="dk1"/>
+              </a:solidFill>
+              <a:latin typeface="Montserrat"/>
+              <a:ea typeface="Montserrat"/>
+              <a:cs typeface="Montserrat"/>
+              <a:sym typeface="Montserrat"/>
+            </a:endParaRPr>
+          </a:p>
+          <a:p>
+            <a:pPr lvl="0">
+              <a:lnSpc>
+                <a:spcPct val="150000"/>
+              </a:lnSpc>
+              <a:buClr>
+                <a:schemeClr val="dk1"/>
+              </a:buClr>
+              <a:buSzPct val="100000"/>
+            </a:pPr>
+            <a:endParaRPr lang="en-GB" sz="1800" dirty="0">
+              <a:solidFill>
+                <a:schemeClr val="dk1"/>
+              </a:solidFill>
+              <a:latin typeface="Montserrat"/>
+              <a:ea typeface="Montserrat"/>
+              <a:cs typeface="Montserrat"/>
+              <a:sym typeface="Montserrat"/>
+            </a:endParaRPr>
+          </a:p>
+          <a:p>
+            <a:pPr lvl="0">
+              <a:lnSpc>
+                <a:spcPct val="150000"/>
+              </a:lnSpc>
+              <a:buClr>
+                <a:schemeClr val="dk1"/>
+              </a:buClr>
+              <a:buSzPct val="100000"/>
+            </a:pPr>
+            <a:endParaRPr lang="en-GB" sz="1800" dirty="0">
+              <a:solidFill>
+                <a:schemeClr val="dk1"/>
+              </a:solidFill>
+              <a:latin typeface="Montserrat"/>
+              <a:ea typeface="Montserrat"/>
+              <a:cs typeface="Montserrat"/>
+              <a:sym typeface="Montserrat"/>
+            </a:endParaRPr>
+          </a:p>
+          <a:p>
+            <a:pPr lvl="0">
+              <a:lnSpc>
+                <a:spcPct val="150000"/>
+              </a:lnSpc>
+              <a:buClr>
+                <a:schemeClr val="dk1"/>
+              </a:buClr>
+              <a:buSzPct val="100000"/>
+            </a:pPr>
+            <a:endParaRPr lang="en-GB" sz="1800" dirty="0">
+              <a:solidFill>
+                <a:schemeClr val="dk1"/>
+              </a:solidFill>
+              <a:latin typeface="Montserrat"/>
+              <a:ea typeface="Montserrat"/>
+              <a:cs typeface="Montserrat"/>
+              <a:sym typeface="Montserrat"/>
+            </a:endParaRPr>
+          </a:p>
+          <a:p>
+            <a:pPr lvl="0">
+              <a:lnSpc>
+                <a:spcPct val="150000"/>
+              </a:lnSpc>
+              <a:buClr>
+                <a:schemeClr val="dk1"/>
+              </a:buClr>
+              <a:buSzPct val="100000"/>
+            </a:pPr>
+            <a:endParaRPr lang="en-GB" sz="1800" dirty="0">
+              <a:solidFill>
+                <a:schemeClr val="dk1"/>
+              </a:solidFill>
+              <a:latin typeface="Montserrat"/>
+              <a:ea typeface="Montserrat"/>
+              <a:cs typeface="Montserrat"/>
+              <a:sym typeface="Montserrat"/>
+            </a:endParaRPr>
+          </a:p>
+          <a:p>
+            <a:pPr lvl="0">
+              <a:lnSpc>
+                <a:spcPct val="150000"/>
+              </a:lnSpc>
+              <a:buClr>
+                <a:schemeClr val="dk1"/>
+              </a:buClr>
+              <a:buSzPct val="100000"/>
+            </a:pPr>
+            <a:r>
+              <a:rPr lang="en-GB" sz="1800" dirty="0">
+                <a:solidFill>
+                  <a:schemeClr val="dk1"/>
+                </a:solidFill>
+                <a:latin typeface="Montserrat"/>
+                <a:ea typeface="Montserrat"/>
+                <a:cs typeface="Montserrat"/>
+                <a:sym typeface="Montserrat"/>
+              </a:rPr>
+              <a:t>* What to crawl?</a:t>
+            </a:r>
+          </a:p>
+        </p:txBody>
+      </p:sp>
+    </p:spTree>
+    <p:extLst>
+      <p:ext uri="{BB962C8B-B14F-4D97-AF65-F5344CB8AC3E}">
+        <p14:creationId xmlns:p14="http://schemas.microsoft.com/office/powerpoint/2010/main" val="2382646027"/>
+      </p:ext>
+    </p:extLst>
   </p:cSld>
   <p:clrMapOvr>
     <a:masterClrMapping/>
@@ -14214,7 +15647,7 @@
         <p:spPr>
           <a:xfrm>
             <a:off x="817836" y="1296632"/>
-            <a:ext cx="8122964" cy="2562240"/>
+            <a:ext cx="8122964" cy="3427398"/>
           </a:xfrm>
           <a:prstGeom prst="rect">
             <a:avLst/>
@@ -14244,7 +15677,7 @@
               <a:buAutoNum type="arabicPeriod"/>
             </a:pPr>
             <a:r>
-              <a:rPr lang="en-GB" sz="2400" dirty="0">
+              <a:rPr lang="en-GB" sz="1800" dirty="0">
                 <a:solidFill>
                   <a:schemeClr val="tx1"/>
                 </a:solidFill>
@@ -14256,7 +15689,7 @@
               <a:t>To have a deeper understanding of </a:t>
             </a:r>
             <a:r>
-              <a:rPr lang="en-GB" sz="2400" b="1" dirty="0">
+              <a:rPr lang="en-GB" sz="1800" b="1" dirty="0">
                 <a:solidFill>
                   <a:srgbClr val="01D589"/>
                 </a:solidFill>
@@ -14269,21 +15702,19 @@
             </a:r>
           </a:p>
           <a:p>
-            <a:pPr marL="342900" marR="0" lvl="0" indent="-342900" algn="l" rtl="0">
+            <a:pPr marL="342900" indent="-342900">
               <a:lnSpc>
                 <a:spcPct val="150000"/>
               </a:lnSpc>
-              <a:spcBef>
-                <a:spcPts val="0"/>
-              </a:spcBef>
-              <a:buClr>
-                <a:schemeClr val="dk1"/>
-              </a:buClr>
-              <a:buSzPct val="100000"/>
+              <a:buClr>
+                <a:schemeClr val="dk1"/>
+              </a:buClr>
+              <a:buSzPct val="100000"/>
+              <a:buFontTx/>
               <a:buAutoNum type="arabicPeriod"/>
             </a:pPr>
             <a:r>
-              <a:rPr lang="en-GB" sz="2400" dirty="0">
+              <a:rPr lang="en-GB" sz="1800" dirty="0">
                 <a:solidFill>
                   <a:schemeClr val="tx1"/>
                 </a:solidFill>
@@ -14292,7 +15723,7 @@
                 <a:cs typeface="Montserrat"/>
                 <a:sym typeface="Montserrat"/>
               </a:rPr>
-              <a:t>To showcase the journey that Ox-Automated-Testing has gone through</a:t>
+              <a:t>Understanding the 6 principles of User Experience</a:t>
             </a:r>
           </a:p>
           <a:p>
@@ -14310,7 +15741,7 @@
               <a:buAutoNum type="arabicPeriod"/>
             </a:pPr>
             <a:r>
-              <a:rPr lang="en-GB" sz="2400" dirty="0">
+              <a:rPr lang="en-GB" sz="1800" dirty="0">
                 <a:solidFill>
                   <a:schemeClr val="tx1"/>
                 </a:solidFill>
@@ -14319,7 +15750,7 @@
                 <a:cs typeface="Montserrat"/>
                 <a:sym typeface="Montserrat"/>
               </a:rPr>
-              <a:t>Understanding the different principles of UX</a:t>
+              <a:t>To showcase the transformation that Ox-Automated-Testing has undergone</a:t>
             </a:r>
           </a:p>
         </p:txBody>
@@ -14403,7 +15834,7 @@
                 <a:cs typeface="Montserrat"/>
                 <a:sym typeface="Montserrat"/>
               </a:rPr>
-              <a:t>THE APPROACH</a:t>
+              <a:t>USER EXPERIENCE</a:t>
             </a:r>
           </a:p>
         </p:txBody>
@@ -14446,8 +15877,1387 @@
                 <a:cs typeface="Montserrat"/>
                 <a:sym typeface="Montserrat"/>
               </a:rPr>
-              <a:t>WHAT WE ARE PLANNING TO </a:t>
+              <a:t>HOW IS IT DIFFERENT FROM USER INTERFACE?</a:t>
             </a:r>
+            <a:endParaRPr lang="en-GB" sz="1200" b="1" spc="300" dirty="0">
+              <a:solidFill>
+                <a:srgbClr val="01D589"/>
+              </a:solidFill>
+              <a:latin typeface="Montserrat"/>
+              <a:sym typeface="Montserrat"/>
+            </a:endParaRPr>
+          </a:p>
+        </p:txBody>
+      </p:sp>
+      <p:sp>
+        <p:nvSpPr>
+          <p:cNvPr id="186" name="Shape 186"/>
+          <p:cNvSpPr txBox="1"/>
+          <p:nvPr/>
+        </p:nvSpPr>
+        <p:spPr>
+          <a:xfrm>
+            <a:off x="817838" y="1220976"/>
+            <a:ext cx="7963555" cy="3462486"/>
+          </a:xfrm>
+          <a:prstGeom prst="rect">
+            <a:avLst/>
+          </a:prstGeom>
+          <a:noFill/>
+          <a:ln>
+            <a:noFill/>
+          </a:ln>
+        </p:spPr>
+        <p:txBody>
+          <a:bodyPr wrap="square" lIns="68575" tIns="34275" rIns="68575" bIns="34275" anchor="t" anchorCtr="0">
+            <a:noAutofit/>
+          </a:bodyPr>
+          <a:lstStyle/>
+          <a:p>
+            <a:pPr lvl="0">
+              <a:lnSpc>
+                <a:spcPct val="150000"/>
+              </a:lnSpc>
+              <a:buClr>
+                <a:schemeClr val="dk1"/>
+              </a:buClr>
+              <a:buSzPct val="100000"/>
+            </a:pPr>
+            <a:r>
+              <a:rPr lang="en-GB" sz="1800" dirty="0">
+                <a:solidFill>
+                  <a:schemeClr val="dk1"/>
+                </a:solidFill>
+                <a:latin typeface="Montserrat"/>
+                <a:ea typeface="Montserrat"/>
+                <a:cs typeface="Montserrat"/>
+                <a:sym typeface="Montserrat"/>
+              </a:rPr>
+              <a:t>I can create a web crawler for twitter + I can do the cleaning. i.e. removal of any biasness, spell checker, remove stop words, etc. </a:t>
+            </a:r>
+          </a:p>
+          <a:p>
+            <a:pPr lvl="0">
+              <a:lnSpc>
+                <a:spcPct val="150000"/>
+              </a:lnSpc>
+              <a:buClr>
+                <a:schemeClr val="dk1"/>
+              </a:buClr>
+              <a:buSzPct val="100000"/>
+            </a:pPr>
+            <a:endParaRPr lang="en-GB" sz="1800" dirty="0">
+              <a:solidFill>
+                <a:schemeClr val="dk1"/>
+              </a:solidFill>
+              <a:latin typeface="Montserrat"/>
+              <a:ea typeface="Montserrat"/>
+              <a:cs typeface="Montserrat"/>
+              <a:sym typeface="Montserrat"/>
+            </a:endParaRPr>
+          </a:p>
+          <a:p>
+            <a:pPr lvl="0">
+              <a:lnSpc>
+                <a:spcPct val="150000"/>
+              </a:lnSpc>
+              <a:buClr>
+                <a:schemeClr val="dk1"/>
+              </a:buClr>
+              <a:buSzPct val="100000"/>
+            </a:pPr>
+            <a:endParaRPr lang="en-GB" sz="1800" dirty="0">
+              <a:solidFill>
+                <a:schemeClr val="dk1"/>
+              </a:solidFill>
+              <a:latin typeface="Montserrat"/>
+              <a:ea typeface="Montserrat"/>
+              <a:cs typeface="Montserrat"/>
+              <a:sym typeface="Montserrat"/>
+            </a:endParaRPr>
+          </a:p>
+          <a:p>
+            <a:pPr lvl="0">
+              <a:lnSpc>
+                <a:spcPct val="150000"/>
+              </a:lnSpc>
+              <a:buClr>
+                <a:schemeClr val="dk1"/>
+              </a:buClr>
+              <a:buSzPct val="100000"/>
+            </a:pPr>
+            <a:endParaRPr lang="en-GB" sz="1800" dirty="0">
+              <a:solidFill>
+                <a:schemeClr val="dk1"/>
+              </a:solidFill>
+              <a:latin typeface="Montserrat"/>
+              <a:ea typeface="Montserrat"/>
+              <a:cs typeface="Montserrat"/>
+              <a:sym typeface="Montserrat"/>
+            </a:endParaRPr>
+          </a:p>
+          <a:p>
+            <a:pPr lvl="0">
+              <a:lnSpc>
+                <a:spcPct val="150000"/>
+              </a:lnSpc>
+              <a:buClr>
+                <a:schemeClr val="dk1"/>
+              </a:buClr>
+              <a:buSzPct val="100000"/>
+            </a:pPr>
+            <a:endParaRPr lang="en-GB" sz="1800" dirty="0">
+              <a:solidFill>
+                <a:schemeClr val="dk1"/>
+              </a:solidFill>
+              <a:latin typeface="Montserrat"/>
+              <a:ea typeface="Montserrat"/>
+              <a:cs typeface="Montserrat"/>
+              <a:sym typeface="Montserrat"/>
+            </a:endParaRPr>
+          </a:p>
+          <a:p>
+            <a:pPr lvl="0">
+              <a:lnSpc>
+                <a:spcPct val="150000"/>
+              </a:lnSpc>
+              <a:buClr>
+                <a:schemeClr val="dk1"/>
+              </a:buClr>
+              <a:buSzPct val="100000"/>
+            </a:pPr>
+            <a:endParaRPr lang="en-GB" sz="1800" dirty="0">
+              <a:solidFill>
+                <a:schemeClr val="dk1"/>
+              </a:solidFill>
+              <a:latin typeface="Montserrat"/>
+              <a:ea typeface="Montserrat"/>
+              <a:cs typeface="Montserrat"/>
+              <a:sym typeface="Montserrat"/>
+            </a:endParaRPr>
+          </a:p>
+          <a:p>
+            <a:pPr lvl="0">
+              <a:lnSpc>
+                <a:spcPct val="150000"/>
+              </a:lnSpc>
+              <a:buClr>
+                <a:schemeClr val="dk1"/>
+              </a:buClr>
+              <a:buSzPct val="100000"/>
+            </a:pPr>
+            <a:endParaRPr lang="en-GB" sz="1800" dirty="0">
+              <a:solidFill>
+                <a:schemeClr val="dk1"/>
+              </a:solidFill>
+              <a:latin typeface="Montserrat"/>
+              <a:ea typeface="Montserrat"/>
+              <a:cs typeface="Montserrat"/>
+              <a:sym typeface="Montserrat"/>
+            </a:endParaRPr>
+          </a:p>
+          <a:p>
+            <a:pPr lvl="0">
+              <a:lnSpc>
+                <a:spcPct val="150000"/>
+              </a:lnSpc>
+              <a:buClr>
+                <a:schemeClr val="dk1"/>
+              </a:buClr>
+              <a:buSzPct val="100000"/>
+            </a:pPr>
+            <a:r>
+              <a:rPr lang="en-GB" sz="1800" dirty="0">
+                <a:solidFill>
+                  <a:schemeClr val="dk1"/>
+                </a:solidFill>
+                <a:latin typeface="Montserrat"/>
+                <a:ea typeface="Montserrat"/>
+                <a:cs typeface="Montserrat"/>
+                <a:sym typeface="Montserrat"/>
+              </a:rPr>
+              <a:t>* What to crawl?</a:t>
+            </a:r>
+          </a:p>
+        </p:txBody>
+      </p:sp>
+    </p:spTree>
+  </p:cSld>
+  <p:clrMapOvr>
+    <a:masterClrMapping/>
+  </p:clrMapOvr>
+  <mc:AlternateContent xmlns:mc="http://schemas.openxmlformats.org/markup-compatibility/2006" xmlns:p14="http://schemas.microsoft.com/office/powerpoint/2010/main">
+    <mc:Choice Requires="p14">
+      <p:transition spd="med" p14:dur="700">
+        <p:fade/>
+      </p:transition>
+    </mc:Choice>
+    <mc:Fallback xmlns="">
+      <p:transition spd="med">
+        <p:fade/>
+      </p:transition>
+    </mc:Fallback>
+  </mc:AlternateContent>
+</p:sld>
+</file>
+
+<file path=ppt/slides/slide4.xml><?xml version="1.0" encoding="utf-8"?>
+<p:sld xmlns:a="http://schemas.openxmlformats.org/drawingml/2006/main" xmlns:r="http://schemas.openxmlformats.org/officeDocument/2006/relationships" xmlns:p="http://schemas.openxmlformats.org/presentationml/2006/main">
+  <p:cSld>
+    <p:spTree>
+      <p:nvGrpSpPr>
+        <p:cNvPr id="1" name="Shape 183"/>
+        <p:cNvGrpSpPr/>
+        <p:nvPr/>
+      </p:nvGrpSpPr>
+      <p:grpSpPr>
+        <a:xfrm>
+          <a:off x="0" y="0"/>
+          <a:ext cx="0" cy="0"/>
+          <a:chOff x="0" y="0"/>
+          <a:chExt cx="0" cy="0"/>
+        </a:xfrm>
+      </p:grpSpPr>
+      <p:sp>
+        <p:nvSpPr>
+          <p:cNvPr id="184" name="Shape 184"/>
+          <p:cNvSpPr txBox="1"/>
+          <p:nvPr/>
+        </p:nvSpPr>
+        <p:spPr>
+          <a:xfrm>
+            <a:off x="817836" y="419470"/>
+            <a:ext cx="8326164" cy="438581"/>
+          </a:xfrm>
+          <a:prstGeom prst="rect">
+            <a:avLst/>
+          </a:prstGeom>
+          <a:noFill/>
+          <a:ln>
+            <a:noFill/>
+          </a:ln>
+        </p:spPr>
+        <p:txBody>
+          <a:bodyPr wrap="square" lIns="68575" tIns="34275" rIns="68575" bIns="34275" anchor="t" anchorCtr="0">
+            <a:noAutofit/>
+          </a:bodyPr>
+          <a:lstStyle/>
+          <a:p>
+            <a:pPr marL="0" marR="0" lvl="0" indent="0" algn="l" rtl="0">
+              <a:spcBef>
+                <a:spcPts val="0"/>
+              </a:spcBef>
+              <a:buSzPct val="25000"/>
+              <a:buNone/>
+            </a:pPr>
+            <a:r>
+              <a:rPr lang="en-GB" sz="2400" b="1" spc="300" dirty="0">
+                <a:solidFill>
+                  <a:schemeClr val="dk1"/>
+                </a:solidFill>
+                <a:latin typeface="Montserrat"/>
+                <a:ea typeface="Montserrat"/>
+                <a:cs typeface="Montserrat"/>
+                <a:sym typeface="Montserrat"/>
+              </a:rPr>
+              <a:t>USER EXPERIENCE</a:t>
+            </a:r>
+          </a:p>
+        </p:txBody>
+      </p:sp>
+      <p:sp>
+        <p:nvSpPr>
+          <p:cNvPr id="185" name="Shape 185"/>
+          <p:cNvSpPr txBox="1"/>
+          <p:nvPr/>
+        </p:nvSpPr>
+        <p:spPr>
+          <a:xfrm>
+            <a:off x="817836" y="823426"/>
+            <a:ext cx="8270985" cy="253916"/>
+          </a:xfrm>
+          <a:prstGeom prst="rect">
+            <a:avLst/>
+          </a:prstGeom>
+          <a:noFill/>
+          <a:ln>
+            <a:noFill/>
+          </a:ln>
+        </p:spPr>
+        <p:txBody>
+          <a:bodyPr wrap="square" lIns="68575" tIns="34275" rIns="68575" bIns="34275" anchor="t" anchorCtr="0">
+            <a:noAutofit/>
+          </a:bodyPr>
+          <a:lstStyle/>
+          <a:p>
+            <a:pPr lvl="0">
+              <a:buSzPct val="25000"/>
+            </a:pPr>
+            <a:r>
+              <a:rPr lang="en-GB" sz="1200" b="1" spc="300" dirty="0">
+                <a:solidFill>
+                  <a:srgbClr val="01D589"/>
+                </a:solidFill>
+                <a:latin typeface="Montserrat"/>
+                <a:ea typeface="Montserrat"/>
+                <a:cs typeface="Montserrat"/>
+                <a:sym typeface="Montserrat"/>
+              </a:rPr>
+              <a:t>HOW IS IT DIFFERENT FROM USER INTERFACE?</a:t>
+            </a:r>
+            <a:endParaRPr lang="en-GB" sz="1200" b="1" spc="300" dirty="0">
+              <a:solidFill>
+                <a:srgbClr val="01D589"/>
+              </a:solidFill>
+              <a:latin typeface="Montserrat"/>
+              <a:sym typeface="Montserrat"/>
+            </a:endParaRPr>
+          </a:p>
+        </p:txBody>
+      </p:sp>
+      <p:sp>
+        <p:nvSpPr>
+          <p:cNvPr id="186" name="Shape 186"/>
+          <p:cNvSpPr txBox="1"/>
+          <p:nvPr/>
+        </p:nvSpPr>
+        <p:spPr>
+          <a:xfrm>
+            <a:off x="817838" y="1220976"/>
+            <a:ext cx="7963555" cy="3462486"/>
+          </a:xfrm>
+          <a:prstGeom prst="rect">
+            <a:avLst/>
+          </a:prstGeom>
+          <a:noFill/>
+          <a:ln>
+            <a:noFill/>
+          </a:ln>
+        </p:spPr>
+        <p:txBody>
+          <a:bodyPr wrap="square" lIns="68575" tIns="34275" rIns="68575" bIns="34275" anchor="t" anchorCtr="0">
+            <a:noAutofit/>
+          </a:bodyPr>
+          <a:lstStyle/>
+          <a:p>
+            <a:pPr lvl="0">
+              <a:lnSpc>
+                <a:spcPct val="150000"/>
+              </a:lnSpc>
+              <a:buClr>
+                <a:schemeClr val="dk1"/>
+              </a:buClr>
+              <a:buSzPct val="100000"/>
+            </a:pPr>
+            <a:r>
+              <a:rPr lang="en-GB" sz="1800" dirty="0">
+                <a:solidFill>
+                  <a:schemeClr val="dk1"/>
+                </a:solidFill>
+                <a:latin typeface="Montserrat"/>
+                <a:ea typeface="Montserrat"/>
+                <a:cs typeface="Montserrat"/>
+                <a:sym typeface="Montserrat"/>
+              </a:rPr>
+              <a:t>I can create a web crawler for twitter + I can do the cleaning. i.e. removal of any biasness, spell checker, remove stop words, etc. </a:t>
+            </a:r>
+          </a:p>
+          <a:p>
+            <a:pPr lvl="0">
+              <a:lnSpc>
+                <a:spcPct val="150000"/>
+              </a:lnSpc>
+              <a:buClr>
+                <a:schemeClr val="dk1"/>
+              </a:buClr>
+              <a:buSzPct val="100000"/>
+            </a:pPr>
+            <a:endParaRPr lang="en-GB" sz="1800" dirty="0">
+              <a:solidFill>
+                <a:schemeClr val="dk1"/>
+              </a:solidFill>
+              <a:latin typeface="Montserrat"/>
+              <a:ea typeface="Montserrat"/>
+              <a:cs typeface="Montserrat"/>
+              <a:sym typeface="Montserrat"/>
+            </a:endParaRPr>
+          </a:p>
+          <a:p>
+            <a:pPr lvl="0">
+              <a:lnSpc>
+                <a:spcPct val="150000"/>
+              </a:lnSpc>
+              <a:buClr>
+                <a:schemeClr val="dk1"/>
+              </a:buClr>
+              <a:buSzPct val="100000"/>
+            </a:pPr>
+            <a:endParaRPr lang="en-GB" sz="1800" dirty="0">
+              <a:solidFill>
+                <a:schemeClr val="dk1"/>
+              </a:solidFill>
+              <a:latin typeface="Montserrat"/>
+              <a:ea typeface="Montserrat"/>
+              <a:cs typeface="Montserrat"/>
+              <a:sym typeface="Montserrat"/>
+            </a:endParaRPr>
+          </a:p>
+          <a:p>
+            <a:pPr lvl="0">
+              <a:lnSpc>
+                <a:spcPct val="150000"/>
+              </a:lnSpc>
+              <a:buClr>
+                <a:schemeClr val="dk1"/>
+              </a:buClr>
+              <a:buSzPct val="100000"/>
+            </a:pPr>
+            <a:endParaRPr lang="en-GB" sz="1800" dirty="0">
+              <a:solidFill>
+                <a:schemeClr val="dk1"/>
+              </a:solidFill>
+              <a:latin typeface="Montserrat"/>
+              <a:ea typeface="Montserrat"/>
+              <a:cs typeface="Montserrat"/>
+              <a:sym typeface="Montserrat"/>
+            </a:endParaRPr>
+          </a:p>
+          <a:p>
+            <a:pPr lvl="0">
+              <a:lnSpc>
+                <a:spcPct val="150000"/>
+              </a:lnSpc>
+              <a:buClr>
+                <a:schemeClr val="dk1"/>
+              </a:buClr>
+              <a:buSzPct val="100000"/>
+            </a:pPr>
+            <a:endParaRPr lang="en-GB" sz="1800" dirty="0">
+              <a:solidFill>
+                <a:schemeClr val="dk1"/>
+              </a:solidFill>
+              <a:latin typeface="Montserrat"/>
+              <a:ea typeface="Montserrat"/>
+              <a:cs typeface="Montserrat"/>
+              <a:sym typeface="Montserrat"/>
+            </a:endParaRPr>
+          </a:p>
+          <a:p>
+            <a:pPr lvl="0">
+              <a:lnSpc>
+                <a:spcPct val="150000"/>
+              </a:lnSpc>
+              <a:buClr>
+                <a:schemeClr val="dk1"/>
+              </a:buClr>
+              <a:buSzPct val="100000"/>
+            </a:pPr>
+            <a:endParaRPr lang="en-GB" sz="1800" dirty="0">
+              <a:solidFill>
+                <a:schemeClr val="dk1"/>
+              </a:solidFill>
+              <a:latin typeface="Montserrat"/>
+              <a:ea typeface="Montserrat"/>
+              <a:cs typeface="Montserrat"/>
+              <a:sym typeface="Montserrat"/>
+            </a:endParaRPr>
+          </a:p>
+          <a:p>
+            <a:pPr lvl="0">
+              <a:lnSpc>
+                <a:spcPct val="150000"/>
+              </a:lnSpc>
+              <a:buClr>
+                <a:schemeClr val="dk1"/>
+              </a:buClr>
+              <a:buSzPct val="100000"/>
+            </a:pPr>
+            <a:endParaRPr lang="en-GB" sz="1800" dirty="0">
+              <a:solidFill>
+                <a:schemeClr val="dk1"/>
+              </a:solidFill>
+              <a:latin typeface="Montserrat"/>
+              <a:ea typeface="Montserrat"/>
+              <a:cs typeface="Montserrat"/>
+              <a:sym typeface="Montserrat"/>
+            </a:endParaRPr>
+          </a:p>
+          <a:p>
+            <a:pPr lvl="0">
+              <a:lnSpc>
+                <a:spcPct val="150000"/>
+              </a:lnSpc>
+              <a:buClr>
+                <a:schemeClr val="dk1"/>
+              </a:buClr>
+              <a:buSzPct val="100000"/>
+            </a:pPr>
+            <a:r>
+              <a:rPr lang="en-GB" sz="1800" dirty="0">
+                <a:solidFill>
+                  <a:schemeClr val="dk1"/>
+                </a:solidFill>
+                <a:latin typeface="Montserrat"/>
+                <a:ea typeface="Montserrat"/>
+                <a:cs typeface="Montserrat"/>
+                <a:sym typeface="Montserrat"/>
+              </a:rPr>
+              <a:t>* What to crawl?</a:t>
+            </a:r>
+          </a:p>
+        </p:txBody>
+      </p:sp>
+    </p:spTree>
+    <p:extLst>
+      <p:ext uri="{BB962C8B-B14F-4D97-AF65-F5344CB8AC3E}">
+        <p14:creationId xmlns:p14="http://schemas.microsoft.com/office/powerpoint/2010/main" val="3081227539"/>
+      </p:ext>
+    </p:extLst>
+  </p:cSld>
+  <p:clrMapOvr>
+    <a:masterClrMapping/>
+  </p:clrMapOvr>
+  <mc:AlternateContent xmlns:mc="http://schemas.openxmlformats.org/markup-compatibility/2006" xmlns:p14="http://schemas.microsoft.com/office/powerpoint/2010/main">
+    <mc:Choice Requires="p14">
+      <p:transition spd="med" p14:dur="700">
+        <p:fade/>
+      </p:transition>
+    </mc:Choice>
+    <mc:Fallback xmlns="">
+      <p:transition spd="med">
+        <p:fade/>
+      </p:transition>
+    </mc:Fallback>
+  </mc:AlternateContent>
+</p:sld>
+</file>
+
+<file path=ppt/slides/slide5.xml><?xml version="1.0" encoding="utf-8"?>
+<p:sld xmlns:a="http://schemas.openxmlformats.org/drawingml/2006/main" xmlns:r="http://schemas.openxmlformats.org/officeDocument/2006/relationships" xmlns:p="http://schemas.openxmlformats.org/presentationml/2006/main">
+  <p:cSld>
+    <p:spTree>
+      <p:nvGrpSpPr>
+        <p:cNvPr id="1" name="Shape 137"/>
+        <p:cNvGrpSpPr/>
+        <p:nvPr/>
+      </p:nvGrpSpPr>
+      <p:grpSpPr>
+        <a:xfrm>
+          <a:off x="0" y="0"/>
+          <a:ext cx="0" cy="0"/>
+          <a:chOff x="0" y="0"/>
+          <a:chExt cx="0" cy="0"/>
+        </a:xfrm>
+      </p:grpSpPr>
+      <p:pic>
+        <p:nvPicPr>
+          <p:cNvPr id="3" name="Picture 2">
+            <a:extLst>
+              <a:ext uri="{FF2B5EF4-FFF2-40B4-BE49-F238E27FC236}">
+                <a16:creationId xmlns:a16="http://schemas.microsoft.com/office/drawing/2014/main" id="{67463DF1-7980-42FA-BA9D-26D0F1CACC5E}"/>
+              </a:ext>
+            </a:extLst>
+          </p:cNvPr>
+          <p:cNvPicPr>
+            <a:picLocks noChangeAspect="1"/>
+          </p:cNvPicPr>
+          <p:nvPr/>
+        </p:nvPicPr>
+        <p:blipFill>
+          <a:blip r:embed="rId3"/>
+          <a:stretch>
+            <a:fillRect/>
+          </a:stretch>
+        </p:blipFill>
+        <p:spPr>
+          <a:xfrm>
+            <a:off x="0" y="0"/>
+            <a:ext cx="9144000" cy="5143500"/>
+          </a:xfrm>
+          <a:prstGeom prst="rect">
+            <a:avLst/>
+          </a:prstGeom>
+        </p:spPr>
+      </p:pic>
+    </p:spTree>
+    <p:extLst>
+      <p:ext uri="{BB962C8B-B14F-4D97-AF65-F5344CB8AC3E}">
+        <p14:creationId xmlns:p14="http://schemas.microsoft.com/office/powerpoint/2010/main" val="4259659366"/>
+      </p:ext>
+    </p:extLst>
+  </p:cSld>
+  <p:clrMapOvr>
+    <a:masterClrMapping/>
+  </p:clrMapOvr>
+  <mc:AlternateContent xmlns:mc="http://schemas.openxmlformats.org/markup-compatibility/2006" xmlns:p14="http://schemas.microsoft.com/office/powerpoint/2010/main">
+    <mc:Choice Requires="p14">
+      <p:transition spd="med" p14:dur="700">
+        <p:fade/>
+      </p:transition>
+    </mc:Choice>
+    <mc:Fallback xmlns="">
+      <p:transition spd="med">
+        <p:fade/>
+      </p:transition>
+    </mc:Fallback>
+  </mc:AlternateContent>
+</p:sld>
+</file>
+
+<file path=ppt/slides/slide6.xml><?xml version="1.0" encoding="utf-8"?>
+<p:sld xmlns:a="http://schemas.openxmlformats.org/drawingml/2006/main" xmlns:r="http://schemas.openxmlformats.org/officeDocument/2006/relationships" xmlns:p="http://schemas.openxmlformats.org/presentationml/2006/main">
+  <p:cSld>
+    <p:spTree>
+      <p:nvGrpSpPr>
+        <p:cNvPr id="1" name="Shape 183"/>
+        <p:cNvGrpSpPr/>
+        <p:nvPr/>
+      </p:nvGrpSpPr>
+      <p:grpSpPr>
+        <a:xfrm>
+          <a:off x="0" y="0"/>
+          <a:ext cx="0" cy="0"/>
+          <a:chOff x="0" y="0"/>
+          <a:chExt cx="0" cy="0"/>
+        </a:xfrm>
+      </p:grpSpPr>
+      <p:sp>
+        <p:nvSpPr>
+          <p:cNvPr id="184" name="Shape 184"/>
+          <p:cNvSpPr txBox="1"/>
+          <p:nvPr/>
+        </p:nvSpPr>
+        <p:spPr>
+          <a:xfrm>
+            <a:off x="817836" y="419470"/>
+            <a:ext cx="8326164" cy="438581"/>
+          </a:xfrm>
+          <a:prstGeom prst="rect">
+            <a:avLst/>
+          </a:prstGeom>
+          <a:noFill/>
+          <a:ln>
+            <a:noFill/>
+          </a:ln>
+        </p:spPr>
+        <p:txBody>
+          <a:bodyPr wrap="square" lIns="68575" tIns="34275" rIns="68575" bIns="34275" anchor="t" anchorCtr="0">
+            <a:noAutofit/>
+          </a:bodyPr>
+          <a:lstStyle/>
+          <a:p>
+            <a:pPr marL="0" marR="0" lvl="0" indent="0" algn="l" rtl="0">
+              <a:spcBef>
+                <a:spcPts val="0"/>
+              </a:spcBef>
+              <a:buSzPct val="25000"/>
+              <a:buNone/>
+            </a:pPr>
+            <a:r>
+              <a:rPr lang="en-GB" sz="2400" b="1" spc="300" dirty="0">
+                <a:solidFill>
+                  <a:schemeClr val="dk1"/>
+                </a:solidFill>
+                <a:latin typeface="Montserrat"/>
+                <a:ea typeface="Montserrat"/>
+                <a:cs typeface="Montserrat"/>
+                <a:sym typeface="Montserrat"/>
+              </a:rPr>
+              <a:t>CONTEXT IS KEY</a:t>
+            </a:r>
+          </a:p>
+        </p:txBody>
+      </p:sp>
+      <p:sp>
+        <p:nvSpPr>
+          <p:cNvPr id="185" name="Shape 185"/>
+          <p:cNvSpPr txBox="1"/>
+          <p:nvPr/>
+        </p:nvSpPr>
+        <p:spPr>
+          <a:xfrm>
+            <a:off x="817836" y="823426"/>
+            <a:ext cx="8270985" cy="253916"/>
+          </a:xfrm>
+          <a:prstGeom prst="rect">
+            <a:avLst/>
+          </a:prstGeom>
+          <a:noFill/>
+          <a:ln>
+            <a:noFill/>
+          </a:ln>
+        </p:spPr>
+        <p:txBody>
+          <a:bodyPr wrap="square" lIns="68575" tIns="34275" rIns="68575" bIns="34275" anchor="t" anchorCtr="0">
+            <a:noAutofit/>
+          </a:bodyPr>
+          <a:lstStyle/>
+          <a:p>
+            <a:pPr lvl="0">
+              <a:buSzPct val="25000"/>
+            </a:pPr>
+            <a:r>
+              <a:rPr lang="en-GB" sz="1200" b="1" spc="300" dirty="0">
+                <a:solidFill>
+                  <a:srgbClr val="01D589"/>
+                </a:solidFill>
+                <a:latin typeface="Montserrat"/>
+                <a:ea typeface="Montserrat"/>
+                <a:cs typeface="Montserrat"/>
+                <a:sym typeface="Montserrat"/>
+              </a:rPr>
+              <a:t>WHO ARE YOUR USERS?</a:t>
+            </a:r>
+            <a:endParaRPr lang="en-GB" sz="1200" b="1" spc="300" dirty="0">
+              <a:solidFill>
+                <a:srgbClr val="01D589"/>
+              </a:solidFill>
+              <a:latin typeface="Montserrat"/>
+              <a:sym typeface="Montserrat"/>
+            </a:endParaRPr>
+          </a:p>
+        </p:txBody>
+      </p:sp>
+      <p:sp>
+        <p:nvSpPr>
+          <p:cNvPr id="186" name="Shape 186"/>
+          <p:cNvSpPr txBox="1"/>
+          <p:nvPr/>
+        </p:nvSpPr>
+        <p:spPr>
+          <a:xfrm>
+            <a:off x="817838" y="1220976"/>
+            <a:ext cx="7963555" cy="3462486"/>
+          </a:xfrm>
+          <a:prstGeom prst="rect">
+            <a:avLst/>
+          </a:prstGeom>
+          <a:noFill/>
+          <a:ln>
+            <a:noFill/>
+          </a:ln>
+        </p:spPr>
+        <p:txBody>
+          <a:bodyPr wrap="square" lIns="68575" tIns="34275" rIns="68575" bIns="34275" anchor="t" anchorCtr="0">
+            <a:noAutofit/>
+          </a:bodyPr>
+          <a:lstStyle/>
+          <a:p>
+            <a:pPr lvl="0">
+              <a:lnSpc>
+                <a:spcPct val="150000"/>
+              </a:lnSpc>
+              <a:buClr>
+                <a:schemeClr val="dk1"/>
+              </a:buClr>
+              <a:buSzPct val="100000"/>
+            </a:pPr>
+            <a:r>
+              <a:rPr lang="en-GB" sz="1800" dirty="0">
+                <a:solidFill>
+                  <a:schemeClr val="dk1"/>
+                </a:solidFill>
+                <a:latin typeface="Montserrat"/>
+                <a:ea typeface="Montserrat"/>
+                <a:cs typeface="Montserrat"/>
+                <a:sym typeface="Montserrat"/>
+              </a:rPr>
+              <a:t>I can create a web crawler for twitter + I can do the cleaning. i.e. removal of any biasness, spell checker, remove stop words, etc. </a:t>
+            </a:r>
+          </a:p>
+          <a:p>
+            <a:pPr lvl="0">
+              <a:lnSpc>
+                <a:spcPct val="150000"/>
+              </a:lnSpc>
+              <a:buClr>
+                <a:schemeClr val="dk1"/>
+              </a:buClr>
+              <a:buSzPct val="100000"/>
+            </a:pPr>
+            <a:endParaRPr lang="en-GB" sz="1800" dirty="0">
+              <a:solidFill>
+                <a:schemeClr val="dk1"/>
+              </a:solidFill>
+              <a:latin typeface="Montserrat"/>
+              <a:ea typeface="Montserrat"/>
+              <a:cs typeface="Montserrat"/>
+              <a:sym typeface="Montserrat"/>
+            </a:endParaRPr>
+          </a:p>
+          <a:p>
+            <a:pPr lvl="0">
+              <a:lnSpc>
+                <a:spcPct val="150000"/>
+              </a:lnSpc>
+              <a:buClr>
+                <a:schemeClr val="dk1"/>
+              </a:buClr>
+              <a:buSzPct val="100000"/>
+            </a:pPr>
+            <a:endParaRPr lang="en-GB" sz="1800" dirty="0">
+              <a:solidFill>
+                <a:schemeClr val="dk1"/>
+              </a:solidFill>
+              <a:latin typeface="Montserrat"/>
+              <a:ea typeface="Montserrat"/>
+              <a:cs typeface="Montserrat"/>
+              <a:sym typeface="Montserrat"/>
+            </a:endParaRPr>
+          </a:p>
+          <a:p>
+            <a:pPr lvl="0">
+              <a:lnSpc>
+                <a:spcPct val="150000"/>
+              </a:lnSpc>
+              <a:buClr>
+                <a:schemeClr val="dk1"/>
+              </a:buClr>
+              <a:buSzPct val="100000"/>
+            </a:pPr>
+            <a:endParaRPr lang="en-GB" sz="1800" dirty="0">
+              <a:solidFill>
+                <a:schemeClr val="dk1"/>
+              </a:solidFill>
+              <a:latin typeface="Montserrat"/>
+              <a:ea typeface="Montserrat"/>
+              <a:cs typeface="Montserrat"/>
+              <a:sym typeface="Montserrat"/>
+            </a:endParaRPr>
+          </a:p>
+          <a:p>
+            <a:pPr lvl="0">
+              <a:lnSpc>
+                <a:spcPct val="150000"/>
+              </a:lnSpc>
+              <a:buClr>
+                <a:schemeClr val="dk1"/>
+              </a:buClr>
+              <a:buSzPct val="100000"/>
+            </a:pPr>
+            <a:endParaRPr lang="en-GB" sz="1800" dirty="0">
+              <a:solidFill>
+                <a:schemeClr val="dk1"/>
+              </a:solidFill>
+              <a:latin typeface="Montserrat"/>
+              <a:ea typeface="Montserrat"/>
+              <a:cs typeface="Montserrat"/>
+              <a:sym typeface="Montserrat"/>
+            </a:endParaRPr>
+          </a:p>
+          <a:p>
+            <a:pPr lvl="0">
+              <a:lnSpc>
+                <a:spcPct val="150000"/>
+              </a:lnSpc>
+              <a:buClr>
+                <a:schemeClr val="dk1"/>
+              </a:buClr>
+              <a:buSzPct val="100000"/>
+            </a:pPr>
+            <a:endParaRPr lang="en-GB" sz="1800" dirty="0">
+              <a:solidFill>
+                <a:schemeClr val="dk1"/>
+              </a:solidFill>
+              <a:latin typeface="Montserrat"/>
+              <a:ea typeface="Montserrat"/>
+              <a:cs typeface="Montserrat"/>
+              <a:sym typeface="Montserrat"/>
+            </a:endParaRPr>
+          </a:p>
+          <a:p>
+            <a:pPr lvl="0">
+              <a:lnSpc>
+                <a:spcPct val="150000"/>
+              </a:lnSpc>
+              <a:buClr>
+                <a:schemeClr val="dk1"/>
+              </a:buClr>
+              <a:buSzPct val="100000"/>
+            </a:pPr>
+            <a:endParaRPr lang="en-GB" sz="1800" dirty="0">
+              <a:solidFill>
+                <a:schemeClr val="dk1"/>
+              </a:solidFill>
+              <a:latin typeface="Montserrat"/>
+              <a:ea typeface="Montserrat"/>
+              <a:cs typeface="Montserrat"/>
+              <a:sym typeface="Montserrat"/>
+            </a:endParaRPr>
+          </a:p>
+          <a:p>
+            <a:pPr lvl="0">
+              <a:lnSpc>
+                <a:spcPct val="150000"/>
+              </a:lnSpc>
+              <a:buClr>
+                <a:schemeClr val="dk1"/>
+              </a:buClr>
+              <a:buSzPct val="100000"/>
+            </a:pPr>
+            <a:r>
+              <a:rPr lang="en-GB" sz="1800" dirty="0">
+                <a:solidFill>
+                  <a:schemeClr val="dk1"/>
+                </a:solidFill>
+                <a:latin typeface="Montserrat"/>
+                <a:ea typeface="Montserrat"/>
+                <a:cs typeface="Montserrat"/>
+                <a:sym typeface="Montserrat"/>
+              </a:rPr>
+              <a:t>* What to crawl?</a:t>
+            </a:r>
+          </a:p>
+        </p:txBody>
+      </p:sp>
+    </p:spTree>
+    <p:extLst>
+      <p:ext uri="{BB962C8B-B14F-4D97-AF65-F5344CB8AC3E}">
+        <p14:creationId xmlns:p14="http://schemas.microsoft.com/office/powerpoint/2010/main" val="561612719"/>
+      </p:ext>
+    </p:extLst>
+  </p:cSld>
+  <p:clrMapOvr>
+    <a:masterClrMapping/>
+  </p:clrMapOvr>
+  <mc:AlternateContent xmlns:mc="http://schemas.openxmlformats.org/markup-compatibility/2006" xmlns:p14="http://schemas.microsoft.com/office/powerpoint/2010/main">
+    <mc:Choice Requires="p14">
+      <p:transition spd="med" p14:dur="700">
+        <p:fade/>
+      </p:transition>
+    </mc:Choice>
+    <mc:Fallback xmlns="">
+      <p:transition spd="med">
+        <p:fade/>
+      </p:transition>
+    </mc:Fallback>
+  </mc:AlternateContent>
+</p:sld>
+</file>
+
+<file path=ppt/slides/slide7.xml><?xml version="1.0" encoding="utf-8"?>
+<p:sld xmlns:a="http://schemas.openxmlformats.org/drawingml/2006/main" xmlns:r="http://schemas.openxmlformats.org/officeDocument/2006/relationships" xmlns:p="http://schemas.openxmlformats.org/presentationml/2006/main">
+  <p:cSld>
+    <p:spTree>
+      <p:nvGrpSpPr>
+        <p:cNvPr id="1" name="Shape 183"/>
+        <p:cNvGrpSpPr/>
+        <p:nvPr/>
+      </p:nvGrpSpPr>
+      <p:grpSpPr>
+        <a:xfrm>
+          <a:off x="0" y="0"/>
+          <a:ext cx="0" cy="0"/>
+          <a:chOff x="0" y="0"/>
+          <a:chExt cx="0" cy="0"/>
+        </a:xfrm>
+      </p:grpSpPr>
+      <p:sp>
+        <p:nvSpPr>
+          <p:cNvPr id="184" name="Shape 184"/>
+          <p:cNvSpPr txBox="1"/>
+          <p:nvPr/>
+        </p:nvSpPr>
+        <p:spPr>
+          <a:xfrm>
+            <a:off x="817836" y="419470"/>
+            <a:ext cx="8326164" cy="438581"/>
+          </a:xfrm>
+          <a:prstGeom prst="rect">
+            <a:avLst/>
+          </a:prstGeom>
+          <a:noFill/>
+          <a:ln>
+            <a:noFill/>
+          </a:ln>
+        </p:spPr>
+        <p:txBody>
+          <a:bodyPr wrap="square" lIns="68575" tIns="34275" rIns="68575" bIns="34275" anchor="t" anchorCtr="0">
+            <a:noAutofit/>
+          </a:bodyPr>
+          <a:lstStyle/>
+          <a:p>
+            <a:pPr marL="0" marR="0" lvl="0" indent="0" algn="l" rtl="0">
+              <a:spcBef>
+                <a:spcPts val="0"/>
+              </a:spcBef>
+              <a:buSzPct val="25000"/>
+              <a:buNone/>
+            </a:pPr>
+            <a:r>
+              <a:rPr lang="en-GB" sz="2400" b="1" spc="300" dirty="0">
+                <a:solidFill>
+                  <a:schemeClr val="dk1"/>
+                </a:solidFill>
+                <a:latin typeface="Montserrat"/>
+                <a:ea typeface="Montserrat"/>
+                <a:cs typeface="Montserrat"/>
+                <a:sym typeface="Montserrat"/>
+              </a:rPr>
+              <a:t>TAKE WHAT IS KNOWN</a:t>
+            </a:r>
+          </a:p>
+        </p:txBody>
+      </p:sp>
+      <p:sp>
+        <p:nvSpPr>
+          <p:cNvPr id="185" name="Shape 185"/>
+          <p:cNvSpPr txBox="1"/>
+          <p:nvPr/>
+        </p:nvSpPr>
+        <p:spPr>
+          <a:xfrm>
+            <a:off x="817836" y="823426"/>
+            <a:ext cx="8270985" cy="253916"/>
+          </a:xfrm>
+          <a:prstGeom prst="rect">
+            <a:avLst/>
+          </a:prstGeom>
+          <a:noFill/>
+          <a:ln>
+            <a:noFill/>
+          </a:ln>
+        </p:spPr>
+        <p:txBody>
+          <a:bodyPr wrap="square" lIns="68575" tIns="34275" rIns="68575" bIns="34275" anchor="t" anchorCtr="0">
+            <a:noAutofit/>
+          </a:bodyPr>
+          <a:lstStyle/>
+          <a:p>
+            <a:pPr lvl="0">
+              <a:buSzPct val="25000"/>
+            </a:pPr>
+            <a:r>
+              <a:rPr lang="en-GB" sz="1200" b="1" spc="300" dirty="0">
+                <a:solidFill>
+                  <a:srgbClr val="01D589"/>
+                </a:solidFill>
+                <a:latin typeface="Montserrat"/>
+                <a:ea typeface="Montserrat"/>
+                <a:cs typeface="Montserrat"/>
+                <a:sym typeface="Montserrat"/>
+              </a:rPr>
+              <a:t>WHAT IS FAMILIAR TO THE USER?</a:t>
+            </a:r>
+            <a:endParaRPr lang="en-GB" sz="1200" b="1" spc="300" dirty="0">
+              <a:solidFill>
+                <a:srgbClr val="01D589"/>
+              </a:solidFill>
+              <a:latin typeface="Montserrat"/>
+              <a:sym typeface="Montserrat"/>
+            </a:endParaRPr>
+          </a:p>
+        </p:txBody>
+      </p:sp>
+      <p:sp>
+        <p:nvSpPr>
+          <p:cNvPr id="186" name="Shape 186"/>
+          <p:cNvSpPr txBox="1"/>
+          <p:nvPr/>
+        </p:nvSpPr>
+        <p:spPr>
+          <a:xfrm>
+            <a:off x="817838" y="1220976"/>
+            <a:ext cx="7963555" cy="3462486"/>
+          </a:xfrm>
+          <a:prstGeom prst="rect">
+            <a:avLst/>
+          </a:prstGeom>
+          <a:noFill/>
+          <a:ln>
+            <a:noFill/>
+          </a:ln>
+        </p:spPr>
+        <p:txBody>
+          <a:bodyPr wrap="square" lIns="68575" tIns="34275" rIns="68575" bIns="34275" anchor="t" anchorCtr="0">
+            <a:noAutofit/>
+          </a:bodyPr>
+          <a:lstStyle/>
+          <a:p>
+            <a:pPr lvl="0">
+              <a:lnSpc>
+                <a:spcPct val="150000"/>
+              </a:lnSpc>
+              <a:buClr>
+                <a:schemeClr val="dk1"/>
+              </a:buClr>
+              <a:buSzPct val="100000"/>
+            </a:pPr>
+            <a:r>
+              <a:rPr lang="en-GB" sz="1800" dirty="0">
+                <a:solidFill>
+                  <a:schemeClr val="dk1"/>
+                </a:solidFill>
+                <a:latin typeface="Montserrat"/>
+                <a:ea typeface="Montserrat"/>
+                <a:cs typeface="Montserrat"/>
+                <a:sym typeface="Montserrat"/>
+              </a:rPr>
+              <a:t>I can create a web crawler for twitter + I can do the cleaning. i.e. removal of any biasness, spell checker, remove stop words, etc. </a:t>
+            </a:r>
+          </a:p>
+          <a:p>
+            <a:pPr lvl="0">
+              <a:lnSpc>
+                <a:spcPct val="150000"/>
+              </a:lnSpc>
+              <a:buClr>
+                <a:schemeClr val="dk1"/>
+              </a:buClr>
+              <a:buSzPct val="100000"/>
+            </a:pPr>
+            <a:endParaRPr lang="en-GB" sz="1800" dirty="0">
+              <a:solidFill>
+                <a:schemeClr val="dk1"/>
+              </a:solidFill>
+              <a:latin typeface="Montserrat"/>
+              <a:ea typeface="Montserrat"/>
+              <a:cs typeface="Montserrat"/>
+              <a:sym typeface="Montserrat"/>
+            </a:endParaRPr>
+          </a:p>
+          <a:p>
+            <a:pPr lvl="0">
+              <a:lnSpc>
+                <a:spcPct val="150000"/>
+              </a:lnSpc>
+              <a:buClr>
+                <a:schemeClr val="dk1"/>
+              </a:buClr>
+              <a:buSzPct val="100000"/>
+            </a:pPr>
+            <a:endParaRPr lang="en-GB" sz="1800" dirty="0">
+              <a:solidFill>
+                <a:schemeClr val="dk1"/>
+              </a:solidFill>
+              <a:latin typeface="Montserrat"/>
+              <a:ea typeface="Montserrat"/>
+              <a:cs typeface="Montserrat"/>
+              <a:sym typeface="Montserrat"/>
+            </a:endParaRPr>
+          </a:p>
+          <a:p>
+            <a:pPr lvl="0">
+              <a:lnSpc>
+                <a:spcPct val="150000"/>
+              </a:lnSpc>
+              <a:buClr>
+                <a:schemeClr val="dk1"/>
+              </a:buClr>
+              <a:buSzPct val="100000"/>
+            </a:pPr>
+            <a:endParaRPr lang="en-GB" sz="1800" dirty="0">
+              <a:solidFill>
+                <a:schemeClr val="dk1"/>
+              </a:solidFill>
+              <a:latin typeface="Montserrat"/>
+              <a:ea typeface="Montserrat"/>
+              <a:cs typeface="Montserrat"/>
+              <a:sym typeface="Montserrat"/>
+            </a:endParaRPr>
+          </a:p>
+          <a:p>
+            <a:pPr lvl="0">
+              <a:lnSpc>
+                <a:spcPct val="150000"/>
+              </a:lnSpc>
+              <a:buClr>
+                <a:schemeClr val="dk1"/>
+              </a:buClr>
+              <a:buSzPct val="100000"/>
+            </a:pPr>
+            <a:endParaRPr lang="en-GB" sz="1800" dirty="0">
+              <a:solidFill>
+                <a:schemeClr val="dk1"/>
+              </a:solidFill>
+              <a:latin typeface="Montserrat"/>
+              <a:ea typeface="Montserrat"/>
+              <a:cs typeface="Montserrat"/>
+              <a:sym typeface="Montserrat"/>
+            </a:endParaRPr>
+          </a:p>
+          <a:p>
+            <a:pPr lvl="0">
+              <a:lnSpc>
+                <a:spcPct val="150000"/>
+              </a:lnSpc>
+              <a:buClr>
+                <a:schemeClr val="dk1"/>
+              </a:buClr>
+              <a:buSzPct val="100000"/>
+            </a:pPr>
+            <a:endParaRPr lang="en-GB" sz="1800" dirty="0">
+              <a:solidFill>
+                <a:schemeClr val="dk1"/>
+              </a:solidFill>
+              <a:latin typeface="Montserrat"/>
+              <a:ea typeface="Montserrat"/>
+              <a:cs typeface="Montserrat"/>
+              <a:sym typeface="Montserrat"/>
+            </a:endParaRPr>
+          </a:p>
+          <a:p>
+            <a:pPr lvl="0">
+              <a:lnSpc>
+                <a:spcPct val="150000"/>
+              </a:lnSpc>
+              <a:buClr>
+                <a:schemeClr val="dk1"/>
+              </a:buClr>
+              <a:buSzPct val="100000"/>
+            </a:pPr>
+            <a:endParaRPr lang="en-GB" sz="1800" dirty="0">
+              <a:solidFill>
+                <a:schemeClr val="dk1"/>
+              </a:solidFill>
+              <a:latin typeface="Montserrat"/>
+              <a:ea typeface="Montserrat"/>
+              <a:cs typeface="Montserrat"/>
+              <a:sym typeface="Montserrat"/>
+            </a:endParaRPr>
+          </a:p>
+          <a:p>
+            <a:pPr lvl="0">
+              <a:lnSpc>
+                <a:spcPct val="150000"/>
+              </a:lnSpc>
+              <a:buClr>
+                <a:schemeClr val="dk1"/>
+              </a:buClr>
+              <a:buSzPct val="100000"/>
+            </a:pPr>
+            <a:r>
+              <a:rPr lang="en-GB" sz="1800" dirty="0">
+                <a:solidFill>
+                  <a:schemeClr val="dk1"/>
+                </a:solidFill>
+                <a:latin typeface="Montserrat"/>
+                <a:ea typeface="Montserrat"/>
+                <a:cs typeface="Montserrat"/>
+                <a:sym typeface="Montserrat"/>
+              </a:rPr>
+              <a:t>* What to crawl?</a:t>
+            </a:r>
+          </a:p>
+        </p:txBody>
+      </p:sp>
+    </p:spTree>
+    <p:extLst>
+      <p:ext uri="{BB962C8B-B14F-4D97-AF65-F5344CB8AC3E}">
+        <p14:creationId xmlns:p14="http://schemas.microsoft.com/office/powerpoint/2010/main" val="2265213556"/>
+      </p:ext>
+    </p:extLst>
+  </p:cSld>
+  <p:clrMapOvr>
+    <a:masterClrMapping/>
+  </p:clrMapOvr>
+  <mc:AlternateContent xmlns:mc="http://schemas.openxmlformats.org/markup-compatibility/2006" xmlns:p14="http://schemas.microsoft.com/office/powerpoint/2010/main">
+    <mc:Choice Requires="p14">
+      <p:transition spd="med" p14:dur="700">
+        <p:fade/>
+      </p:transition>
+    </mc:Choice>
+    <mc:Fallback xmlns="">
+      <p:transition spd="med">
+        <p:fade/>
+      </p:transition>
+    </mc:Fallback>
+  </mc:AlternateContent>
+</p:sld>
+</file>
+
+<file path=ppt/slides/slide8.xml><?xml version="1.0" encoding="utf-8"?>
+<p:sld xmlns:a="http://schemas.openxmlformats.org/drawingml/2006/main" xmlns:r="http://schemas.openxmlformats.org/officeDocument/2006/relationships" xmlns:p="http://schemas.openxmlformats.org/presentationml/2006/main">
+  <p:cSld>
+    <p:spTree>
+      <p:nvGrpSpPr>
+        <p:cNvPr id="1" name="Shape 183"/>
+        <p:cNvGrpSpPr/>
+        <p:nvPr/>
+      </p:nvGrpSpPr>
+      <p:grpSpPr>
+        <a:xfrm>
+          <a:off x="0" y="0"/>
+          <a:ext cx="0" cy="0"/>
+          <a:chOff x="0" y="0"/>
+          <a:chExt cx="0" cy="0"/>
+        </a:xfrm>
+      </p:grpSpPr>
+      <p:sp>
+        <p:nvSpPr>
+          <p:cNvPr id="184" name="Shape 184"/>
+          <p:cNvSpPr txBox="1"/>
+          <p:nvPr/>
+        </p:nvSpPr>
+        <p:spPr>
+          <a:xfrm>
+            <a:off x="817836" y="419470"/>
+            <a:ext cx="8326164" cy="438581"/>
+          </a:xfrm>
+          <a:prstGeom prst="rect">
+            <a:avLst/>
+          </a:prstGeom>
+          <a:noFill/>
+          <a:ln>
+            <a:noFill/>
+          </a:ln>
+        </p:spPr>
+        <p:txBody>
+          <a:bodyPr wrap="square" lIns="68575" tIns="34275" rIns="68575" bIns="34275" anchor="t" anchorCtr="0">
+            <a:noAutofit/>
+          </a:bodyPr>
+          <a:lstStyle/>
+          <a:p>
+            <a:pPr marL="0" marR="0" lvl="0" indent="0" algn="l" rtl="0">
+              <a:spcBef>
+                <a:spcPts val="0"/>
+              </a:spcBef>
+              <a:buSzPct val="25000"/>
+              <a:buNone/>
+            </a:pPr>
+            <a:r>
+              <a:rPr lang="en-GB" sz="2400" b="1" spc="300" dirty="0">
+                <a:solidFill>
+                  <a:schemeClr val="dk1"/>
+                </a:solidFill>
+                <a:latin typeface="Montserrat"/>
+                <a:ea typeface="Montserrat"/>
+                <a:cs typeface="Montserrat"/>
+                <a:sym typeface="Montserrat"/>
+              </a:rPr>
+              <a:t>EASE OF USE</a:t>
+            </a:r>
+          </a:p>
+        </p:txBody>
+      </p:sp>
+      <p:sp>
+        <p:nvSpPr>
+          <p:cNvPr id="185" name="Shape 185"/>
+          <p:cNvSpPr txBox="1"/>
+          <p:nvPr/>
+        </p:nvSpPr>
+        <p:spPr>
+          <a:xfrm>
+            <a:off x="817836" y="823426"/>
+            <a:ext cx="8270985" cy="253916"/>
+          </a:xfrm>
+          <a:prstGeom prst="rect">
+            <a:avLst/>
+          </a:prstGeom>
+          <a:noFill/>
+          <a:ln>
+            <a:noFill/>
+          </a:ln>
+        </p:spPr>
+        <p:txBody>
+          <a:bodyPr wrap="square" lIns="68575" tIns="34275" rIns="68575" bIns="34275" anchor="t" anchorCtr="0">
+            <a:noAutofit/>
+          </a:bodyPr>
+          <a:lstStyle/>
+          <a:p>
+            <a:pPr lvl="0">
+              <a:buSzPct val="25000"/>
+            </a:pPr>
             <a:r>
               <a:rPr lang="en-GB" sz="1200" b="1" spc="300" dirty="0">
                 <a:solidFill>
@@ -14456,7 +17266,7 @@
                 <a:latin typeface="Montserrat"/>
                 <a:sym typeface="Montserrat"/>
               </a:rPr>
-              <a:t>DO ( WEBCRAWLER + DATA CLEANING)</a:t>
+              <a:t>HOW TO MAKE YOUR APP MORE INTUITIVE</a:t>
             </a:r>
           </a:p>
         </p:txBody>
@@ -14654,6 +17464,342 @@
         </p:txBody>
       </p:sp>
     </p:spTree>
+    <p:extLst>
+      <p:ext uri="{BB962C8B-B14F-4D97-AF65-F5344CB8AC3E}">
+        <p14:creationId xmlns:p14="http://schemas.microsoft.com/office/powerpoint/2010/main" val="2965559500"/>
+      </p:ext>
+    </p:extLst>
+  </p:cSld>
+  <p:clrMapOvr>
+    <a:masterClrMapping/>
+  </p:clrMapOvr>
+  <mc:AlternateContent xmlns:mc="http://schemas.openxmlformats.org/markup-compatibility/2006" xmlns:p14="http://schemas.microsoft.com/office/powerpoint/2010/main">
+    <mc:Choice Requires="p14">
+      <p:transition spd="med" p14:dur="700">
+        <p:fade/>
+      </p:transition>
+    </mc:Choice>
+    <mc:Fallback xmlns="">
+      <p:transition spd="med">
+        <p:fade/>
+      </p:transition>
+    </mc:Fallback>
+  </mc:AlternateContent>
+</p:sld>
+</file>
+
+<file path=ppt/slides/slide9.xml><?xml version="1.0" encoding="utf-8"?>
+<p:sld xmlns:a="http://schemas.openxmlformats.org/drawingml/2006/main" xmlns:r="http://schemas.openxmlformats.org/officeDocument/2006/relationships" xmlns:p="http://schemas.openxmlformats.org/presentationml/2006/main">
+  <p:cSld>
+    <p:spTree>
+      <p:nvGrpSpPr>
+        <p:cNvPr id="1" name="Shape 183"/>
+        <p:cNvGrpSpPr/>
+        <p:nvPr/>
+      </p:nvGrpSpPr>
+      <p:grpSpPr>
+        <a:xfrm>
+          <a:off x="0" y="0"/>
+          <a:ext cx="0" cy="0"/>
+          <a:chOff x="0" y="0"/>
+          <a:chExt cx="0" cy="0"/>
+        </a:xfrm>
+      </p:grpSpPr>
+      <p:sp>
+        <p:nvSpPr>
+          <p:cNvPr id="184" name="Shape 184"/>
+          <p:cNvSpPr txBox="1"/>
+          <p:nvPr/>
+        </p:nvSpPr>
+        <p:spPr>
+          <a:xfrm>
+            <a:off x="817836" y="419470"/>
+            <a:ext cx="8326164" cy="438581"/>
+          </a:xfrm>
+          <a:prstGeom prst="rect">
+            <a:avLst/>
+          </a:prstGeom>
+          <a:noFill/>
+          <a:ln>
+            <a:noFill/>
+          </a:ln>
+        </p:spPr>
+        <p:txBody>
+          <a:bodyPr wrap="square" lIns="68575" tIns="34275" rIns="68575" bIns="34275" anchor="t" anchorCtr="0">
+            <a:noAutofit/>
+          </a:bodyPr>
+          <a:lstStyle/>
+          <a:p>
+            <a:pPr marL="0" marR="0" lvl="0" indent="0" algn="l" rtl="0">
+              <a:spcBef>
+                <a:spcPts val="0"/>
+              </a:spcBef>
+              <a:buSzPct val="25000"/>
+              <a:buNone/>
+            </a:pPr>
+            <a:r>
+              <a:rPr lang="en-GB" sz="2400" b="1" spc="300" dirty="0">
+                <a:solidFill>
+                  <a:schemeClr val="dk1"/>
+                </a:solidFill>
+                <a:latin typeface="Montserrat"/>
+                <a:ea typeface="Montserrat"/>
+                <a:cs typeface="Montserrat"/>
+                <a:sym typeface="Montserrat"/>
+              </a:rPr>
+              <a:t>GIVE CONTROL TO USERS</a:t>
+            </a:r>
+          </a:p>
+        </p:txBody>
+      </p:sp>
+      <p:sp>
+        <p:nvSpPr>
+          <p:cNvPr id="185" name="Shape 185"/>
+          <p:cNvSpPr txBox="1"/>
+          <p:nvPr/>
+        </p:nvSpPr>
+        <p:spPr>
+          <a:xfrm>
+            <a:off x="817836" y="823426"/>
+            <a:ext cx="8270985" cy="253916"/>
+          </a:xfrm>
+          <a:prstGeom prst="rect">
+            <a:avLst/>
+          </a:prstGeom>
+          <a:noFill/>
+          <a:ln>
+            <a:noFill/>
+          </a:ln>
+        </p:spPr>
+        <p:txBody>
+          <a:bodyPr wrap="square" lIns="68575" tIns="34275" rIns="68575" bIns="34275" anchor="t" anchorCtr="0">
+            <a:noAutofit/>
+          </a:bodyPr>
+          <a:lstStyle/>
+          <a:p>
+            <a:pPr lvl="0">
+              <a:buSzPct val="25000"/>
+            </a:pPr>
+            <a:r>
+              <a:rPr lang="en-GB" sz="1200" b="1" spc="300" dirty="0">
+                <a:solidFill>
+                  <a:srgbClr val="01D589"/>
+                </a:solidFill>
+                <a:latin typeface="Montserrat"/>
+                <a:ea typeface="Montserrat"/>
+                <a:cs typeface="Montserrat"/>
+                <a:sym typeface="Montserrat"/>
+              </a:rPr>
+              <a:t>DON’T MAKE YOUR USERS THINK</a:t>
+            </a:r>
+            <a:endParaRPr lang="en-GB" sz="1200" b="1" spc="300" dirty="0">
+              <a:solidFill>
+                <a:srgbClr val="01D589"/>
+              </a:solidFill>
+              <a:latin typeface="Montserrat"/>
+              <a:sym typeface="Montserrat"/>
+            </a:endParaRPr>
+          </a:p>
+        </p:txBody>
+      </p:sp>
+      <p:sp>
+        <p:nvSpPr>
+          <p:cNvPr id="186" name="Shape 186"/>
+          <p:cNvSpPr txBox="1"/>
+          <p:nvPr/>
+        </p:nvSpPr>
+        <p:spPr>
+          <a:xfrm>
+            <a:off x="817838" y="1220976"/>
+            <a:ext cx="7963555" cy="3462486"/>
+          </a:xfrm>
+          <a:prstGeom prst="rect">
+            <a:avLst/>
+          </a:prstGeom>
+          <a:noFill/>
+          <a:ln>
+            <a:noFill/>
+          </a:ln>
+        </p:spPr>
+        <p:txBody>
+          <a:bodyPr wrap="square" lIns="68575" tIns="34275" rIns="68575" bIns="34275" anchor="t" anchorCtr="0">
+            <a:noAutofit/>
+          </a:bodyPr>
+          <a:lstStyle/>
+          <a:p>
+            <a:pPr lvl="0">
+              <a:lnSpc>
+                <a:spcPct val="150000"/>
+              </a:lnSpc>
+              <a:buClr>
+                <a:schemeClr val="dk1"/>
+              </a:buClr>
+              <a:buSzPct val="100000"/>
+            </a:pPr>
+            <a:r>
+              <a:rPr lang="en-GB" sz="1800" dirty="0">
+                <a:solidFill>
+                  <a:schemeClr val="dk1"/>
+                </a:solidFill>
+                <a:latin typeface="Montserrat"/>
+                <a:ea typeface="Montserrat"/>
+                <a:cs typeface="Montserrat"/>
+                <a:sym typeface="Montserrat"/>
+              </a:rPr>
+              <a:t>I can create a web crawler for twitter + I can do the cleaning. i.e. removal of any biasness, spell checker, remove stop words, etc. </a:t>
+            </a:r>
+          </a:p>
+          <a:p>
+            <a:pPr lvl="0">
+              <a:lnSpc>
+                <a:spcPct val="150000"/>
+              </a:lnSpc>
+              <a:buClr>
+                <a:schemeClr val="dk1"/>
+              </a:buClr>
+              <a:buSzPct val="100000"/>
+            </a:pPr>
+            <a:endParaRPr lang="en-GB" sz="1800" dirty="0">
+              <a:solidFill>
+                <a:schemeClr val="dk1"/>
+              </a:solidFill>
+              <a:latin typeface="Montserrat"/>
+              <a:ea typeface="Montserrat"/>
+              <a:cs typeface="Montserrat"/>
+              <a:sym typeface="Montserrat"/>
+            </a:endParaRPr>
+          </a:p>
+          <a:p>
+            <a:pPr lvl="0">
+              <a:lnSpc>
+                <a:spcPct val="150000"/>
+              </a:lnSpc>
+              <a:buClr>
+                <a:schemeClr val="dk1"/>
+              </a:buClr>
+              <a:buSzPct val="100000"/>
+            </a:pPr>
+            <a:endParaRPr lang="en-GB" sz="1800" dirty="0">
+              <a:solidFill>
+                <a:schemeClr val="dk1"/>
+              </a:solidFill>
+              <a:latin typeface="Montserrat"/>
+              <a:ea typeface="Montserrat"/>
+              <a:cs typeface="Montserrat"/>
+              <a:sym typeface="Montserrat"/>
+            </a:endParaRPr>
+          </a:p>
+          <a:p>
+            <a:pPr lvl="0">
+              <a:lnSpc>
+                <a:spcPct val="150000"/>
+              </a:lnSpc>
+              <a:buClr>
+                <a:schemeClr val="dk1"/>
+              </a:buClr>
+              <a:buSzPct val="100000"/>
+            </a:pPr>
+            <a:endParaRPr lang="en-GB" sz="1800" dirty="0">
+              <a:solidFill>
+                <a:schemeClr val="dk1"/>
+              </a:solidFill>
+              <a:latin typeface="Montserrat"/>
+              <a:ea typeface="Montserrat"/>
+              <a:cs typeface="Montserrat"/>
+              <a:sym typeface="Montserrat"/>
+            </a:endParaRPr>
+          </a:p>
+          <a:p>
+            <a:pPr lvl="0">
+              <a:lnSpc>
+                <a:spcPct val="150000"/>
+              </a:lnSpc>
+              <a:buClr>
+                <a:schemeClr val="dk1"/>
+              </a:buClr>
+              <a:buSzPct val="100000"/>
+            </a:pPr>
+            <a:endParaRPr lang="en-GB" sz="1800" dirty="0">
+              <a:solidFill>
+                <a:schemeClr val="dk1"/>
+              </a:solidFill>
+              <a:latin typeface="Montserrat"/>
+              <a:ea typeface="Montserrat"/>
+              <a:cs typeface="Montserrat"/>
+              <a:sym typeface="Montserrat"/>
+            </a:endParaRPr>
+          </a:p>
+          <a:p>
+            <a:pPr lvl="0">
+              <a:lnSpc>
+                <a:spcPct val="150000"/>
+              </a:lnSpc>
+              <a:buClr>
+                <a:schemeClr val="dk1"/>
+              </a:buClr>
+              <a:buSzPct val="100000"/>
+            </a:pPr>
+            <a:endParaRPr lang="en-GB" sz="1800" dirty="0">
+              <a:solidFill>
+                <a:schemeClr val="dk1"/>
+              </a:solidFill>
+              <a:latin typeface="Montserrat"/>
+              <a:ea typeface="Montserrat"/>
+              <a:cs typeface="Montserrat"/>
+              <a:sym typeface="Montserrat"/>
+            </a:endParaRPr>
+          </a:p>
+          <a:p>
+            <a:pPr lvl="0">
+              <a:lnSpc>
+                <a:spcPct val="150000"/>
+              </a:lnSpc>
+              <a:buClr>
+                <a:schemeClr val="dk1"/>
+              </a:buClr>
+              <a:buSzPct val="100000"/>
+            </a:pPr>
+            <a:endParaRPr lang="en-GB" sz="1800" dirty="0">
+              <a:solidFill>
+                <a:schemeClr val="dk1"/>
+              </a:solidFill>
+              <a:latin typeface="Montserrat"/>
+              <a:ea typeface="Montserrat"/>
+              <a:cs typeface="Montserrat"/>
+              <a:sym typeface="Montserrat"/>
+            </a:endParaRPr>
+          </a:p>
+          <a:p>
+            <a:pPr lvl="0">
+              <a:lnSpc>
+                <a:spcPct val="150000"/>
+              </a:lnSpc>
+              <a:buClr>
+                <a:schemeClr val="dk1"/>
+              </a:buClr>
+              <a:buSzPct val="100000"/>
+            </a:pPr>
+            <a:r>
+              <a:rPr lang="en-GB" sz="1800" dirty="0">
+                <a:solidFill>
+                  <a:schemeClr val="dk1"/>
+                </a:solidFill>
+                <a:latin typeface="Montserrat"/>
+                <a:ea typeface="Montserrat"/>
+                <a:cs typeface="Montserrat"/>
+                <a:sym typeface="Montserrat"/>
+              </a:rPr>
+              <a:t>* What to crawl?</a:t>
+            </a:r>
+          </a:p>
+        </p:txBody>
+      </p:sp>
+    </p:spTree>
+    <p:extLst>
+      <p:ext uri="{BB962C8B-B14F-4D97-AF65-F5344CB8AC3E}">
+        <p14:creationId xmlns:p14="http://schemas.microsoft.com/office/powerpoint/2010/main" val="318929630"/>
+      </p:ext>
+    </p:extLst>
   </p:cSld>
   <p:clrMapOvr>
     <a:masterClrMapping/>
